--- a/Mock_Project.pptx
+++ b/Mock_Project.pptx
@@ -5,55 +5,56 @@
     <p:sldMasterId id="2147483684" r:id="rId1"/>
   </p:sldMasterIdLst>
   <p:notesMasterIdLst>
-    <p:notesMasterId r:id="rId33"/>
+    <p:notesMasterId r:id="rId34"/>
   </p:notesMasterIdLst>
   <p:sldIdLst>
     <p:sldId id="268" r:id="rId2"/>
     <p:sldId id="308" r:id="rId3"/>
-    <p:sldId id="310" r:id="rId4"/>
-    <p:sldId id="256" r:id="rId5"/>
-    <p:sldId id="291" r:id="rId6"/>
-    <p:sldId id="270" r:id="rId7"/>
-    <p:sldId id="293" r:id="rId8"/>
-    <p:sldId id="272" r:id="rId9"/>
-    <p:sldId id="294" r:id="rId10"/>
-    <p:sldId id="309" r:id="rId11"/>
-    <p:sldId id="297" r:id="rId12"/>
-    <p:sldId id="298" r:id="rId13"/>
-    <p:sldId id="299" r:id="rId14"/>
-    <p:sldId id="273" r:id="rId15"/>
-    <p:sldId id="275" r:id="rId16"/>
-    <p:sldId id="269" r:id="rId17"/>
-    <p:sldId id="288" r:id="rId18"/>
-    <p:sldId id="315" r:id="rId19"/>
-    <p:sldId id="305" r:id="rId20"/>
-    <p:sldId id="295" r:id="rId21"/>
-    <p:sldId id="296" r:id="rId22"/>
-    <p:sldId id="274" r:id="rId23"/>
-    <p:sldId id="306" r:id="rId24"/>
-    <p:sldId id="314" r:id="rId25"/>
-    <p:sldId id="302" r:id="rId26"/>
-    <p:sldId id="289" r:id="rId27"/>
-    <p:sldId id="311" r:id="rId28"/>
-    <p:sldId id="312" r:id="rId29"/>
-    <p:sldId id="313" r:id="rId30"/>
-    <p:sldId id="266" r:id="rId31"/>
-    <p:sldId id="267" r:id="rId32"/>
+    <p:sldId id="316" r:id="rId4"/>
+    <p:sldId id="310" r:id="rId5"/>
+    <p:sldId id="256" r:id="rId6"/>
+    <p:sldId id="291" r:id="rId7"/>
+    <p:sldId id="270" r:id="rId8"/>
+    <p:sldId id="293" r:id="rId9"/>
+    <p:sldId id="272" r:id="rId10"/>
+    <p:sldId id="294" r:id="rId11"/>
+    <p:sldId id="309" r:id="rId12"/>
+    <p:sldId id="297" r:id="rId13"/>
+    <p:sldId id="298" r:id="rId14"/>
+    <p:sldId id="299" r:id="rId15"/>
+    <p:sldId id="273" r:id="rId16"/>
+    <p:sldId id="275" r:id="rId17"/>
+    <p:sldId id="269" r:id="rId18"/>
+    <p:sldId id="288" r:id="rId19"/>
+    <p:sldId id="315" r:id="rId20"/>
+    <p:sldId id="305" r:id="rId21"/>
+    <p:sldId id="295" r:id="rId22"/>
+    <p:sldId id="296" r:id="rId23"/>
+    <p:sldId id="274" r:id="rId24"/>
+    <p:sldId id="306" r:id="rId25"/>
+    <p:sldId id="314" r:id="rId26"/>
+    <p:sldId id="302" r:id="rId27"/>
+    <p:sldId id="289" r:id="rId28"/>
+    <p:sldId id="311" r:id="rId29"/>
+    <p:sldId id="312" r:id="rId30"/>
+    <p:sldId id="313" r:id="rId31"/>
+    <p:sldId id="266" r:id="rId32"/>
+    <p:sldId id="267" r:id="rId33"/>
   </p:sldIdLst>
   <p:sldSz cx="9144000" cy="6858000" type="screen4x3"/>
   <p:notesSz cx="6858000" cy="9144000"/>
   <p:embeddedFontLst>
     <p:embeddedFont>
       <p:font typeface="Calibri" panose="020F0502020204030204" pitchFamily="34" charset="0"/>
-      <p:regular r:id="rId34"/>
-      <p:bold r:id="rId35"/>
-      <p:italic r:id="rId36"/>
-      <p:boldItalic r:id="rId37"/>
+      <p:regular r:id="rId35"/>
+      <p:bold r:id="rId36"/>
+      <p:italic r:id="rId37"/>
+      <p:boldItalic r:id="rId38"/>
     </p:embeddedFont>
     <p:embeddedFont>
       <p:font typeface="Oswald" panose="00000500000000000000" pitchFamily="2" charset="0"/>
-      <p:regular r:id="rId38"/>
-      <p:bold r:id="rId39"/>
+      <p:regular r:id="rId39"/>
+      <p:bold r:id="rId40"/>
     </p:embeddedFont>
   </p:embeddedFontLst>
   <p:defaultTextStyle>
@@ -3922,7 +3923,7 @@
             </a:pPr>
             <a:fld id="{00000000-1234-1234-1234-123412341234}" type="slidenum">
               <a:rPr lang="vi-VN"/>
-              <a:t>30</a:t>
+              <a:t>31</a:t>
             </a:fld>
             <a:endParaRPr/>
           </a:p>
@@ -5123,7 +5124,6 @@
   <p:clrMapOvr>
     <a:masterClrMapping/>
   </p:clrMapOvr>
-  <p:hf sldNum="0" hdr="0" ftr="0" dt="0"/>
 </p:sldLayout>
 </file>
 
@@ -5582,7 +5582,6 @@
   <p:clrMapOvr>
     <a:masterClrMapping/>
   </p:clrMapOvr>
-  <p:hf sldNum="0" hdr="0" ftr="0" dt="0"/>
 </p:sldLayout>
 </file>
 
@@ -6145,7 +6144,6 @@
   <p:clrMapOvr>
     <a:masterClrMapping/>
   </p:clrMapOvr>
-  <p:hf sldNum="0" hdr="0" ftr="0" dt="0"/>
 </p:sldLayout>
 </file>
 
@@ -6841,7 +6839,6 @@
   <p:clrMapOvr>
     <a:masterClrMapping/>
   </p:clrMapOvr>
-  <p:hf sldNum="0" hdr="0" ftr="0" dt="0"/>
 </p:sldLayout>
 </file>
 
@@ -7138,7 +7135,6 @@
   <p:clrMapOvr>
     <a:masterClrMapping/>
   </p:clrMapOvr>
-  <p:hf sldNum="0" hdr="0" ftr="0" dt="0"/>
 </p:sldLayout>
 </file>
 
@@ -7354,7 +7350,6 @@
   <p:clrMapOvr>
     <a:masterClrMapping/>
   </p:clrMapOvr>
-  <p:hf sldNum="0" hdr="0" ftr="0" dt="0"/>
 </p:sldLayout>
 </file>
 
@@ -7549,7 +7544,6 @@
   <p:clrMapOvr>
     <a:masterClrMapping/>
   </p:clrMapOvr>
-  <p:hf sldNum="0" hdr="0" ftr="0" dt="0"/>
 </p:sldLayout>
 </file>
 
@@ -7925,7 +7919,6 @@
   <p:clrMapOvr>
     <a:masterClrMapping/>
   </p:clrMapOvr>
-  <p:hf sldNum="0" hdr="0" ftr="0" dt="0"/>
 </p:sldLayout>
 </file>
 
@@ -8618,7 +8611,7 @@
   <p:transition>
     <p:fade thruBlk="1"/>
   </p:transition>
-  <p:hf sldNum="0" hdr="0" ftr="0" dt="0"/>
+  <p:hf hdr="0" ftr="0" dt="0"/>
   <p:txStyles>
     <p:titleStyle>
       <a:defPPr marR="0" lvl="0" algn="l" rtl="0">
@@ -9344,7 +9337,7 @@
         </p:nvSpPr>
         <p:spPr>
           <a:xfrm>
-            <a:off x="1866414" y="2218741"/>
+            <a:off x="1866414" y="798707"/>
             <a:ext cx="5670900" cy="1077300"/>
           </a:xfrm>
           <a:prstGeom prst="rect">
@@ -9419,6 +9412,144 @@
                 <a:latin typeface="Oswald" panose="00000500000000000000" pitchFamily="2" charset="0"/>
               </a:rPr>
               <a:t>GROUP 1</a:t>
+            </a:r>
+            <a:endParaRPr sz="4400" dirty="0">
+              <a:solidFill>
+                <a:schemeClr val="accent6"/>
+              </a:solidFill>
+              <a:latin typeface="Oswald" panose="00000500000000000000" pitchFamily="2" charset="0"/>
+            </a:endParaRPr>
+          </a:p>
+        </p:txBody>
+      </p:sp>
+      <p:sp>
+        <p:nvSpPr>
+          <p:cNvPr id="2" name="Google Shape;93;p13">
+            <a:extLst>
+              <a:ext uri="{FF2B5EF4-FFF2-40B4-BE49-F238E27FC236}">
+                <a16:creationId xmlns:a16="http://schemas.microsoft.com/office/drawing/2014/main" id="{4A001004-791F-36D6-AB92-C908A26CD8B4}"/>
+              </a:ext>
+            </a:extLst>
+          </p:cNvPr>
+          <p:cNvSpPr txBox="1"/>
+          <p:nvPr/>
+        </p:nvSpPr>
+        <p:spPr>
+          <a:xfrm>
+            <a:off x="1866414" y="4981993"/>
+            <a:ext cx="5670900" cy="1077300"/>
+          </a:xfrm>
+          <a:prstGeom prst="rect">
+            <a:avLst/>
+          </a:prstGeom>
+          <a:noFill/>
+          <a:ln>
+            <a:noFill/>
+          </a:ln>
+        </p:spPr>
+        <p:txBody>
+          <a:bodyPr spcFirstLastPara="1" wrap="square" lIns="91425" tIns="45700" rIns="91425" bIns="45700" anchor="t" anchorCtr="0">
+            <a:noAutofit/>
+          </a:bodyPr>
+          <a:lstStyle/>
+          <a:p>
+            <a:pPr marL="0" marR="0" lvl="0" indent="0" algn="ctr" rtl="0">
+              <a:spcBef>
+                <a:spcPts val="0"/>
+              </a:spcBef>
+              <a:spcAft>
+                <a:spcPts val="0"/>
+              </a:spcAft>
+              <a:buNone/>
+            </a:pPr>
+            <a:r>
+              <a:rPr lang="en-US" sz="1800" b="1" i="0" u="none" strike="noStrike" cap="none" dirty="0">
+                <a:solidFill>
+                  <a:schemeClr val="accent6"/>
+                </a:solidFill>
+                <a:latin typeface="Oswald" panose="00000500000000000000" pitchFamily="2" charset="0"/>
+                <a:sym typeface="Arial"/>
+              </a:rPr>
+              <a:t>Teacher: NGUYEN VAN NGHIA</a:t>
+            </a:r>
+          </a:p>
+          <a:p>
+            <a:pPr marL="0" marR="0" lvl="0" indent="0" algn="ctr" rtl="0">
+              <a:spcBef>
+                <a:spcPts val="0"/>
+              </a:spcBef>
+              <a:spcAft>
+                <a:spcPts val="0"/>
+              </a:spcAft>
+              <a:buNone/>
+            </a:pPr>
+            <a:r>
+              <a:rPr lang="en-US" sz="1800" b="1" dirty="0">
+                <a:solidFill>
+                  <a:schemeClr val="accent6"/>
+                </a:solidFill>
+                <a:latin typeface="Oswald" panose="00000500000000000000" pitchFamily="2" charset="0"/>
+              </a:rPr>
+              <a:t>Mentor: NGUYEN DUC BAN</a:t>
+            </a:r>
+            <a:endParaRPr sz="1800" dirty="0">
+              <a:solidFill>
+                <a:schemeClr val="accent6"/>
+              </a:solidFill>
+              <a:latin typeface="Oswald" panose="00000500000000000000" pitchFamily="2" charset="0"/>
+            </a:endParaRPr>
+          </a:p>
+        </p:txBody>
+      </p:sp>
+      <p:sp>
+        <p:nvSpPr>
+          <p:cNvPr id="3" name="Google Shape;93;p13">
+            <a:extLst>
+              <a:ext uri="{FF2B5EF4-FFF2-40B4-BE49-F238E27FC236}">
+                <a16:creationId xmlns:a16="http://schemas.microsoft.com/office/drawing/2014/main" id="{0FF91996-63EC-F350-C9D3-98525F28AC20}"/>
+              </a:ext>
+            </a:extLst>
+          </p:cNvPr>
+          <p:cNvSpPr txBox="1"/>
+          <p:nvPr/>
+        </p:nvSpPr>
+        <p:spPr>
+          <a:xfrm>
+            <a:off x="2022825" y="3429000"/>
+            <a:ext cx="5670900" cy="1077300"/>
+          </a:xfrm>
+          <a:prstGeom prst="rect">
+            <a:avLst/>
+          </a:prstGeom>
+          <a:noFill/>
+          <a:ln>
+            <a:noFill/>
+          </a:ln>
+        </p:spPr>
+        <p:txBody>
+          <a:bodyPr spcFirstLastPara="1" wrap="square" lIns="91425" tIns="45700" rIns="91425" bIns="45700" anchor="t" anchorCtr="0">
+            <a:noAutofit/>
+          </a:bodyPr>
+          <a:lstStyle/>
+          <a:p>
+            <a:pPr marL="0" marR="0" lvl="0" indent="0" algn="ctr" rtl="0">
+              <a:spcBef>
+                <a:spcPts val="0"/>
+              </a:spcBef>
+              <a:spcAft>
+                <a:spcPts val="0"/>
+              </a:spcAft>
+              <a:buNone/>
+            </a:pPr>
+            <a:r>
+              <a:rPr lang="en-US" sz="4400" b="1" i="0" u="none" strike="noStrike" cap="none" dirty="0">
+                <a:solidFill>
+                  <a:schemeClr val="accent6"/>
+                </a:solidFill>
+                <a:latin typeface="Oswald" panose="00000500000000000000" pitchFamily="2" charset="0"/>
+                <a:sym typeface="Arial"/>
+              </a:rPr>
+              <a:t>FAT12 FILE SYSTEM</a:t>
             </a:r>
             <a:endParaRPr sz="4400" dirty="0">
               <a:solidFill>
@@ -9451,6 +9582,557 @@
 </file>
 
 <file path=ppt/slides/slide10.xml><?xml version="1.0" encoding="utf-8"?>
+<p:sld xmlns:a="http://schemas.openxmlformats.org/drawingml/2006/main" xmlns:r="http://schemas.openxmlformats.org/officeDocument/2006/relationships" xmlns:p="http://schemas.openxmlformats.org/presentationml/2006/main">
+  <p:cSld>
+    <p:spTree>
+      <p:nvGrpSpPr>
+        <p:cNvPr id="1" name="Shape 97"/>
+        <p:cNvGrpSpPr/>
+        <p:nvPr/>
+      </p:nvGrpSpPr>
+      <p:grpSpPr>
+        <a:xfrm>
+          <a:off x="0" y="0"/>
+          <a:ext cx="0" cy="0"/>
+          <a:chOff x="0" y="0"/>
+          <a:chExt cx="0" cy="0"/>
+        </a:xfrm>
+      </p:grpSpPr>
+      <p:graphicFrame>
+        <p:nvGraphicFramePr>
+          <p:cNvPr id="5" name="Table 4">
+            <a:extLst>
+              <a:ext uri="{FF2B5EF4-FFF2-40B4-BE49-F238E27FC236}">
+                <a16:creationId xmlns:a16="http://schemas.microsoft.com/office/drawing/2014/main" id="{CEC0511E-D3A1-67A6-01D4-1BF5797AC50D}"/>
+              </a:ext>
+            </a:extLst>
+          </p:cNvPr>
+          <p:cNvGraphicFramePr>
+            <a:graphicFrameLocks noGrp="1"/>
+          </p:cNvGraphicFramePr>
+          <p:nvPr>
+            <p:extLst>
+              <p:ext uri="{D42A27DB-BD31-4B8C-83A1-F6EECF244321}">
+                <p14:modId xmlns:p14="http://schemas.microsoft.com/office/powerpoint/2010/main" val="1273842101"/>
+              </p:ext>
+            </p:extLst>
+          </p:nvPr>
+        </p:nvGraphicFramePr>
+        <p:xfrm>
+          <a:off x="1396180" y="1438376"/>
+          <a:ext cx="6961239" cy="4155092"/>
+        </p:xfrm>
+        <a:graphic>
+          <a:graphicData uri="http://schemas.openxmlformats.org/drawingml/2006/table">
+            <a:tbl>
+              <a:tblPr firstRow="1" bandRow="1">
+                <a:tableStyleId>{8D1D7844-83C3-48A6-B175-94CEE54076C9}</a:tableStyleId>
+              </a:tblPr>
+              <a:tblGrid>
+                <a:gridCol w="1100325">
+                  <a:extLst>
+                    <a:ext uri="{9D8B030D-6E8A-4147-A177-3AD203B41FA5}">
+                      <a16:colId xmlns:a16="http://schemas.microsoft.com/office/drawing/2014/main" val="4073210174"/>
+                    </a:ext>
+                  </a:extLst>
+                </a:gridCol>
+                <a:gridCol w="5860914">
+                  <a:extLst>
+                    <a:ext uri="{9D8B030D-6E8A-4147-A177-3AD203B41FA5}">
+                      <a16:colId xmlns:a16="http://schemas.microsoft.com/office/drawing/2014/main" val="1087396236"/>
+                    </a:ext>
+                  </a:extLst>
+                </a:gridCol>
+              </a:tblGrid>
+              <a:tr h="497656">
+                <a:tc>
+                  <a:txBody>
+                    <a:bodyPr/>
+                    <a:lstStyle/>
+                    <a:p>
+                      <a:pPr algn="ctr"/>
+                      <a:r>
+                        <a:rPr lang="en-US" sz="1600" dirty="0">
+                          <a:latin typeface="Oswald" panose="00000500000000000000" pitchFamily="2" charset="0"/>
+                        </a:rPr>
+                        <a:t>Bytes</a:t>
+                      </a:r>
+                    </a:p>
+                  </a:txBody>
+                  <a:tcPr>
+                    <a:solidFill>
+                      <a:schemeClr val="bg1">
+                        <a:lumMod val="50000"/>
+                      </a:schemeClr>
+                    </a:solidFill>
+                  </a:tcPr>
+                </a:tc>
+                <a:tc>
+                  <a:txBody>
+                    <a:bodyPr/>
+                    <a:lstStyle/>
+                    <a:p>
+                      <a:pPr algn="ctr"/>
+                      <a:r>
+                        <a:rPr lang="en-US" sz="1600" dirty="0">
+                          <a:latin typeface="Oswald" panose="00000500000000000000" pitchFamily="2" charset="0"/>
+                        </a:rPr>
+                        <a:t>Purpose</a:t>
+                      </a:r>
+                    </a:p>
+                  </a:txBody>
+                  <a:tcPr>
+                    <a:solidFill>
+                      <a:schemeClr val="bg1">
+                        <a:lumMod val="50000"/>
+                      </a:schemeClr>
+                    </a:solidFill>
+                  </a:tcPr>
+                </a:tc>
+                <a:extLst>
+                  <a:ext uri="{0D108BD9-81ED-4DB2-BD59-A6C34878D82A}">
+                    <a16:rowId xmlns:a16="http://schemas.microsoft.com/office/drawing/2014/main" val="3366653997"/>
+                  </a:ext>
+                </a:extLst>
+              </a:tr>
+              <a:tr h="497656">
+                <a:tc>
+                  <a:txBody>
+                    <a:bodyPr/>
+                    <a:lstStyle/>
+                    <a:p>
+                      <a:pPr algn="ctr"/>
+                      <a:r>
+                        <a:rPr lang="en-US" sz="1600" dirty="0">
+                          <a:solidFill>
+                            <a:schemeClr val="tx1"/>
+                          </a:solidFill>
+                          <a:latin typeface="Oswald" panose="00000500000000000000" pitchFamily="2" charset="0"/>
+                          <a:cs typeface="Sabon Next LT" panose="02000500000000000000" pitchFamily="2" charset="0"/>
+                        </a:rPr>
+                        <a:t>19-20</a:t>
+                      </a:r>
+                    </a:p>
+                  </a:txBody>
+                  <a:tcPr marL="96897" marR="96897" marT="48449" marB="48449" anchor="ctr"/>
+                </a:tc>
+                <a:tc>
+                  <a:txBody>
+                    <a:bodyPr/>
+                    <a:lstStyle/>
+                    <a:p>
+                      <a:pPr algn="ctr"/>
+                      <a:r>
+                        <a:rPr lang="en-US" sz="1600" b="0" i="0" kern="1200" dirty="0">
+                          <a:solidFill>
+                            <a:schemeClr val="dk1"/>
+                          </a:solidFill>
+                          <a:effectLst/>
+                          <a:latin typeface="Oswald" panose="00000500000000000000" pitchFamily="2" charset="0"/>
+                          <a:ea typeface="+mn-ea"/>
+                          <a:cs typeface="+mn-cs"/>
+                        </a:rPr>
+                        <a:t>Number of sectors in the file system; if 2 B is not large enough, set to 0 and use 4 B value in bytes 32-35 below</a:t>
+                      </a:r>
+                      <a:endParaRPr lang="en-US" sz="1600" dirty="0">
+                        <a:solidFill>
+                          <a:schemeClr val="tx1"/>
+                        </a:solidFill>
+                        <a:latin typeface="Oswald" panose="00000500000000000000" pitchFamily="2" charset="0"/>
+                        <a:cs typeface="Sabon Next LT" panose="02000500000000000000" pitchFamily="2" charset="0"/>
+                      </a:endParaRPr>
+                    </a:p>
+                  </a:txBody>
+                  <a:tcPr marL="96897" marR="96897" marT="48449" marB="48449" anchor="ctr"/>
+                </a:tc>
+                <a:extLst>
+                  <a:ext uri="{0D108BD9-81ED-4DB2-BD59-A6C34878D82A}">
+                    <a16:rowId xmlns:a16="http://schemas.microsoft.com/office/drawing/2014/main" val="3580515720"/>
+                  </a:ext>
+                </a:extLst>
+              </a:tr>
+              <a:tr h="497656">
+                <a:tc>
+                  <a:txBody>
+                    <a:bodyPr/>
+                    <a:lstStyle/>
+                    <a:p>
+                      <a:pPr algn="ctr"/>
+                      <a:r>
+                        <a:rPr lang="en-US" sz="1600" dirty="0">
+                          <a:solidFill>
+                            <a:schemeClr val="tx1"/>
+                          </a:solidFill>
+                          <a:latin typeface="Oswald" panose="00000500000000000000" pitchFamily="2" charset="0"/>
+                          <a:cs typeface="Sabon Next LT" panose="02000500000000000000" pitchFamily="2" charset="0"/>
+                        </a:rPr>
+                        <a:t>21</a:t>
+                      </a:r>
+                    </a:p>
+                  </a:txBody>
+                  <a:tcPr marL="96897" marR="96897" marT="48449" marB="48449" anchor="ctr"/>
+                </a:tc>
+                <a:tc>
+                  <a:txBody>
+                    <a:bodyPr/>
+                    <a:lstStyle/>
+                    <a:p>
+                      <a:pPr algn="ctr"/>
+                      <a:r>
+                        <a:rPr lang="en-US" sz="1600" b="0" i="0" kern="1200" dirty="0">
+                          <a:solidFill>
+                            <a:schemeClr val="dk1"/>
+                          </a:solidFill>
+                          <a:effectLst/>
+                          <a:latin typeface="Oswald" panose="00000500000000000000" pitchFamily="2" charset="0"/>
+                          <a:ea typeface="+mn-ea"/>
+                          <a:cs typeface="+mn-cs"/>
+                        </a:rPr>
+                        <a:t>Media type (0xf0=removable disk, 0xf8=fixed disk)</a:t>
+                      </a:r>
+                      <a:endParaRPr lang="en-US" sz="1600" dirty="0">
+                        <a:solidFill>
+                          <a:schemeClr val="tx1"/>
+                        </a:solidFill>
+                        <a:latin typeface="Oswald" panose="00000500000000000000" pitchFamily="2" charset="0"/>
+                        <a:cs typeface="Sabon Next LT" panose="02000500000000000000" pitchFamily="2" charset="0"/>
+                      </a:endParaRPr>
+                    </a:p>
+                  </a:txBody>
+                  <a:tcPr marL="96897" marR="96897" marT="48449" marB="48449" anchor="ctr"/>
+                </a:tc>
+                <a:extLst>
+                  <a:ext uri="{0D108BD9-81ED-4DB2-BD59-A6C34878D82A}">
+                    <a16:rowId xmlns:a16="http://schemas.microsoft.com/office/drawing/2014/main" val="3420908674"/>
+                  </a:ext>
+                </a:extLst>
+              </a:tr>
+              <a:tr h="497656">
+                <a:tc>
+                  <a:txBody>
+                    <a:bodyPr/>
+                    <a:lstStyle/>
+                    <a:p>
+                      <a:pPr algn="ctr"/>
+                      <a:r>
+                        <a:rPr lang="en-US" sz="1600" dirty="0">
+                          <a:solidFill>
+                            <a:schemeClr val="tx1"/>
+                          </a:solidFill>
+                          <a:latin typeface="Oswald" panose="00000500000000000000" pitchFamily="2" charset="0"/>
+                          <a:cs typeface="Sabon Next LT" panose="02000500000000000000" pitchFamily="2" charset="0"/>
+                        </a:rPr>
+                        <a:t>22-23</a:t>
+                      </a:r>
+                    </a:p>
+                  </a:txBody>
+                  <a:tcPr marL="96897" marR="96897" marT="48449" marB="48449" anchor="ctr"/>
+                </a:tc>
+                <a:tc>
+                  <a:txBody>
+                    <a:bodyPr/>
+                    <a:lstStyle/>
+                    <a:p>
+                      <a:pPr algn="ctr"/>
+                      <a:r>
+                        <a:rPr lang="en-US" sz="1600" b="0" i="0" kern="1200" dirty="0">
+                          <a:solidFill>
+                            <a:schemeClr val="dk1"/>
+                          </a:solidFill>
+                          <a:effectLst/>
+                          <a:latin typeface="Oswald" panose="00000500000000000000" pitchFamily="2" charset="0"/>
+                          <a:ea typeface="+mn-ea"/>
+                          <a:cs typeface="+mn-cs"/>
+                        </a:rPr>
+                        <a:t>Size of each FAT, in sectors, for FAT12/16; 0 for FAT32</a:t>
+                      </a:r>
+                      <a:endParaRPr lang="en-US" sz="1600" dirty="0">
+                        <a:solidFill>
+                          <a:schemeClr val="tx1"/>
+                        </a:solidFill>
+                        <a:latin typeface="Oswald" panose="00000500000000000000" pitchFamily="2" charset="0"/>
+                        <a:cs typeface="Sabon Next LT" panose="02000500000000000000" pitchFamily="2" charset="0"/>
+                      </a:endParaRPr>
+                    </a:p>
+                  </a:txBody>
+                  <a:tcPr marL="96897" marR="96897" marT="48449" marB="48449" anchor="ctr"/>
+                </a:tc>
+                <a:extLst>
+                  <a:ext uri="{0D108BD9-81ED-4DB2-BD59-A6C34878D82A}">
+                    <a16:rowId xmlns:a16="http://schemas.microsoft.com/office/drawing/2014/main" val="568661075"/>
+                  </a:ext>
+                </a:extLst>
+              </a:tr>
+              <a:tr h="497656">
+                <a:tc>
+                  <a:txBody>
+                    <a:bodyPr/>
+                    <a:lstStyle/>
+                    <a:p>
+                      <a:pPr algn="ctr"/>
+                      <a:r>
+                        <a:rPr lang="en-US" sz="1600" dirty="0">
+                          <a:solidFill>
+                            <a:schemeClr val="tx1"/>
+                          </a:solidFill>
+                          <a:latin typeface="Oswald" panose="00000500000000000000" pitchFamily="2" charset="0"/>
+                          <a:cs typeface="Sabon Next LT" panose="02000500000000000000" pitchFamily="2" charset="0"/>
+                        </a:rPr>
+                        <a:t>24-25</a:t>
+                      </a:r>
+                    </a:p>
+                  </a:txBody>
+                  <a:tcPr marL="96897" marR="96897" marT="48449" marB="48449" anchor="ctr"/>
+                </a:tc>
+                <a:tc>
+                  <a:txBody>
+                    <a:bodyPr/>
+                    <a:lstStyle/>
+                    <a:p>
+                      <a:pPr algn="ctr"/>
+                      <a:r>
+                        <a:rPr lang="en-US" sz="1600" b="0" i="0" kern="1200" dirty="0">
+                          <a:solidFill>
+                            <a:schemeClr val="dk1"/>
+                          </a:solidFill>
+                          <a:effectLst/>
+                          <a:latin typeface="Oswald" panose="00000500000000000000" pitchFamily="2" charset="0"/>
+                          <a:ea typeface="+mn-ea"/>
+                          <a:cs typeface="+mn-cs"/>
+                        </a:rPr>
+                        <a:t>Sectors per track in storage device</a:t>
+                      </a:r>
+                      <a:endParaRPr lang="en-US" sz="1600" dirty="0">
+                        <a:solidFill>
+                          <a:schemeClr val="tx1"/>
+                        </a:solidFill>
+                        <a:latin typeface="Oswald" panose="00000500000000000000" pitchFamily="2" charset="0"/>
+                        <a:cs typeface="Sabon Next LT" panose="02000500000000000000" pitchFamily="2" charset="0"/>
+                      </a:endParaRPr>
+                    </a:p>
+                  </a:txBody>
+                  <a:tcPr marL="96897" marR="96897" marT="48449" marB="48449" anchor="ctr"/>
+                </a:tc>
+                <a:extLst>
+                  <a:ext uri="{0D108BD9-81ED-4DB2-BD59-A6C34878D82A}">
+                    <a16:rowId xmlns:a16="http://schemas.microsoft.com/office/drawing/2014/main" val="2794547510"/>
+                  </a:ext>
+                </a:extLst>
+              </a:tr>
+              <a:tr h="497656">
+                <a:tc>
+                  <a:txBody>
+                    <a:bodyPr/>
+                    <a:lstStyle/>
+                    <a:p>
+                      <a:pPr algn="ctr"/>
+                      <a:r>
+                        <a:rPr lang="en-US" sz="1600" dirty="0">
+                          <a:solidFill>
+                            <a:schemeClr val="tx1"/>
+                          </a:solidFill>
+                          <a:latin typeface="Oswald" panose="00000500000000000000" pitchFamily="2" charset="0"/>
+                          <a:cs typeface="Sabon Next LT" panose="02000500000000000000" pitchFamily="2" charset="0"/>
+                        </a:rPr>
+                        <a:t>26-27</a:t>
+                      </a:r>
+                    </a:p>
+                  </a:txBody>
+                  <a:tcPr marL="96897" marR="96897" marT="48449" marB="48449" anchor="ctr"/>
+                </a:tc>
+                <a:tc>
+                  <a:txBody>
+                    <a:bodyPr/>
+                    <a:lstStyle/>
+                    <a:p>
+                      <a:pPr algn="ctr"/>
+                      <a:r>
+                        <a:rPr lang="en-US" sz="1600" dirty="0">
+                          <a:latin typeface="Oswald" panose="00000500000000000000" pitchFamily="2" charset="0"/>
+                        </a:rPr>
+                        <a:t>Number of heads in storage device</a:t>
+                      </a:r>
+                    </a:p>
+                  </a:txBody>
+                  <a:tcPr marL="38100" marR="38100" marT="38100" marB="38100" anchor="ctr"/>
+                </a:tc>
+                <a:extLst>
+                  <a:ext uri="{0D108BD9-81ED-4DB2-BD59-A6C34878D82A}">
+                    <a16:rowId xmlns:a16="http://schemas.microsoft.com/office/drawing/2014/main" val="2372674405"/>
+                  </a:ext>
+                </a:extLst>
+              </a:tr>
+              <a:tr h="497656">
+                <a:tc>
+                  <a:txBody>
+                    <a:bodyPr/>
+                    <a:lstStyle/>
+                    <a:p>
+                      <a:pPr algn="ctr"/>
+                      <a:r>
+                        <a:rPr lang="en-US" sz="1600" dirty="0">
+                          <a:solidFill>
+                            <a:schemeClr val="tx1"/>
+                          </a:solidFill>
+                          <a:latin typeface="Oswald" panose="00000500000000000000" pitchFamily="2" charset="0"/>
+                          <a:cs typeface="Sabon Next LT" panose="02000500000000000000" pitchFamily="2" charset="0"/>
+                        </a:rPr>
+                        <a:t>28-31</a:t>
+                      </a:r>
+                    </a:p>
+                  </a:txBody>
+                  <a:tcPr marL="96897" marR="96897" marT="48449" marB="48449" anchor="ctr"/>
+                </a:tc>
+                <a:tc>
+                  <a:txBody>
+                    <a:bodyPr/>
+                    <a:lstStyle/>
+                    <a:p>
+                      <a:pPr algn="ctr"/>
+                      <a:r>
+                        <a:rPr lang="en-US" sz="1600" b="0" i="0" kern="1200" dirty="0">
+                          <a:solidFill>
+                            <a:schemeClr val="dk1"/>
+                          </a:solidFill>
+                          <a:effectLst/>
+                          <a:latin typeface="Oswald" panose="00000500000000000000" pitchFamily="2" charset="0"/>
+                          <a:ea typeface="+mn-ea"/>
+                          <a:cs typeface="+mn-cs"/>
+                        </a:rPr>
+                        <a:t>Number of sectors before the start partition</a:t>
+                      </a:r>
+                      <a:endParaRPr lang="en-US" sz="1600" dirty="0">
+                        <a:solidFill>
+                          <a:schemeClr val="tx1"/>
+                        </a:solidFill>
+                        <a:latin typeface="Oswald" panose="00000500000000000000" pitchFamily="2" charset="0"/>
+                        <a:cs typeface="Sabon Next LT" panose="02000500000000000000" pitchFamily="2" charset="0"/>
+                      </a:endParaRPr>
+                    </a:p>
+                  </a:txBody>
+                  <a:tcPr marL="96897" marR="96897" marT="48449" marB="48449" anchor="ctr"/>
+                </a:tc>
+                <a:extLst>
+                  <a:ext uri="{0D108BD9-81ED-4DB2-BD59-A6C34878D82A}">
+                    <a16:rowId xmlns:a16="http://schemas.microsoft.com/office/drawing/2014/main" val="3941329119"/>
+                  </a:ext>
+                </a:extLst>
+              </a:tr>
+              <a:tr h="497656">
+                <a:tc>
+                  <a:txBody>
+                    <a:bodyPr/>
+                    <a:lstStyle/>
+                    <a:p>
+                      <a:pPr algn="ctr"/>
+                      <a:r>
+                        <a:rPr lang="en-US" sz="1600" dirty="0">
+                          <a:solidFill>
+                            <a:schemeClr val="tx1"/>
+                          </a:solidFill>
+                          <a:latin typeface="Oswald" panose="00000500000000000000" pitchFamily="2" charset="0"/>
+                          <a:cs typeface="Sabon Next LT" panose="02000500000000000000" pitchFamily="2" charset="0"/>
+                        </a:rPr>
+                        <a:t>32-35</a:t>
+                      </a:r>
+                    </a:p>
+                  </a:txBody>
+                  <a:tcPr marL="96897" marR="96897" marT="48449" marB="48449" anchor="ctr"/>
+                </a:tc>
+                <a:tc>
+                  <a:txBody>
+                    <a:bodyPr/>
+                    <a:lstStyle/>
+                    <a:p>
+                      <a:pPr algn="ctr"/>
+                      <a:r>
+                        <a:rPr lang="en-US" sz="1600" b="0" i="0" kern="1200" dirty="0">
+                          <a:solidFill>
+                            <a:schemeClr val="dk1"/>
+                          </a:solidFill>
+                          <a:effectLst/>
+                          <a:latin typeface="Oswald" panose="00000500000000000000" pitchFamily="2" charset="0"/>
+                          <a:ea typeface="+mn-ea"/>
+                          <a:cs typeface="+mn-cs"/>
+                        </a:rPr>
+                        <a:t>Number of sectors in the file system; this field will be 0 if the 2B field above (bytes 19-20) is non-zero</a:t>
+                      </a:r>
+                      <a:endParaRPr lang="en-US" sz="1600" dirty="0">
+                        <a:solidFill>
+                          <a:schemeClr val="tx1"/>
+                        </a:solidFill>
+                        <a:latin typeface="Oswald" panose="00000500000000000000" pitchFamily="2" charset="0"/>
+                        <a:cs typeface="Sabon Next LT" panose="02000500000000000000" pitchFamily="2" charset="0"/>
+                      </a:endParaRPr>
+                    </a:p>
+                  </a:txBody>
+                  <a:tcPr marL="96897" marR="96897" marT="48449" marB="48449" anchor="ctr"/>
+                </a:tc>
+                <a:extLst>
+                  <a:ext uri="{0D108BD9-81ED-4DB2-BD59-A6C34878D82A}">
+                    <a16:rowId xmlns:a16="http://schemas.microsoft.com/office/drawing/2014/main" val="1525157358"/>
+                  </a:ext>
+                </a:extLst>
+              </a:tr>
+            </a:tbl>
+          </a:graphicData>
+        </a:graphic>
+      </p:graphicFrame>
+      <p:sp>
+        <p:nvSpPr>
+          <p:cNvPr id="2" name="Slide Number Placeholder 1">
+            <a:extLst>
+              <a:ext uri="{FF2B5EF4-FFF2-40B4-BE49-F238E27FC236}">
+                <a16:creationId xmlns:a16="http://schemas.microsoft.com/office/drawing/2014/main" id="{A483398A-3581-A37D-4AB7-C63CED70FD8E}"/>
+              </a:ext>
+            </a:extLst>
+          </p:cNvPr>
+          <p:cNvSpPr>
+            <a:spLocks noGrp="1"/>
+          </p:cNvSpPr>
+          <p:nvPr>
+            <p:ph type="sldNum" idx="12"/>
+          </p:nvPr>
+        </p:nvSpPr>
+        <p:spPr/>
+        <p:txBody>
+          <a:bodyPr/>
+          <a:lstStyle/>
+          <a:p>
+            <a:pPr marL="0" lvl="0" indent="0" algn="r" rtl="0">
+              <a:spcBef>
+                <a:spcPts val="0"/>
+              </a:spcBef>
+              <a:spcAft>
+                <a:spcPts val="0"/>
+              </a:spcAft>
+              <a:buNone/>
+            </a:pPr>
+            <a:fld id="{00000000-1234-1234-1234-123412341234}" type="slidenum">
+              <a:rPr lang="vi-VN" smtClean="0"/>
+              <a:t>10</a:t>
+            </a:fld>
+            <a:endParaRPr lang="vi-VN"/>
+          </a:p>
+        </p:txBody>
+      </p:sp>
+    </p:spTree>
+    <p:extLst>
+      <p:ext uri="{BB962C8B-B14F-4D97-AF65-F5344CB8AC3E}">
+        <p14:creationId xmlns:p14="http://schemas.microsoft.com/office/powerpoint/2010/main" val="1405173479"/>
+      </p:ext>
+    </p:extLst>
+  </p:cSld>
+  <p:clrMapOvr>
+    <a:masterClrMapping/>
+  </p:clrMapOvr>
+  <p:transition spd="slow" advTm="7022">
+    <p:push dir="u"/>
+  </p:transition>
+</p:sld>
+</file>
+
+<file path=ppt/slides/slide11.xml><?xml version="1.0" encoding="utf-8"?>
 <p:sld xmlns:a="http://schemas.openxmlformats.org/drawingml/2006/main" xmlns:r="http://schemas.openxmlformats.org/officeDocument/2006/relationships" xmlns:p="http://schemas.openxmlformats.org/presentationml/2006/main">
   <p:cSld>
     <p:spTree>
@@ -9978,6 +10660,44 @@
           </a:graphicData>
         </a:graphic>
       </p:graphicFrame>
+      <p:sp>
+        <p:nvSpPr>
+          <p:cNvPr id="2" name="Slide Number Placeholder 1">
+            <a:extLst>
+              <a:ext uri="{FF2B5EF4-FFF2-40B4-BE49-F238E27FC236}">
+                <a16:creationId xmlns:a16="http://schemas.microsoft.com/office/drawing/2014/main" id="{D6E2F613-7CE1-86F0-A341-A72FBECBA599}"/>
+              </a:ext>
+            </a:extLst>
+          </p:cNvPr>
+          <p:cNvSpPr>
+            <a:spLocks noGrp="1"/>
+          </p:cNvSpPr>
+          <p:nvPr>
+            <p:ph type="sldNum" idx="12"/>
+          </p:nvPr>
+        </p:nvSpPr>
+        <p:spPr/>
+        <p:txBody>
+          <a:bodyPr/>
+          <a:lstStyle/>
+          <a:p>
+            <a:pPr marL="0" lvl="0" indent="0" algn="r" rtl="0">
+              <a:spcBef>
+                <a:spcPts val="0"/>
+              </a:spcBef>
+              <a:spcAft>
+                <a:spcPts val="0"/>
+              </a:spcAft>
+              <a:buNone/>
+            </a:pPr>
+            <a:fld id="{00000000-1234-1234-1234-123412341234}" type="slidenum">
+              <a:rPr lang="vi-VN" smtClean="0"/>
+              <a:t>11</a:t>
+            </a:fld>
+            <a:endParaRPr lang="vi-VN"/>
+          </a:p>
+        </p:txBody>
+      </p:sp>
     </p:spTree>
     <p:extLst>
       <p:ext uri="{BB962C8B-B14F-4D97-AF65-F5344CB8AC3E}">
@@ -9994,7 +10714,7 @@
 </p:sld>
 </file>
 
-<file path=ppt/slides/slide11.xml><?xml version="1.0" encoding="utf-8"?>
+<file path=ppt/slides/slide12.xml><?xml version="1.0" encoding="utf-8"?>
 <p:sld xmlns:a="http://schemas.openxmlformats.org/drawingml/2006/main" xmlns:r="http://schemas.openxmlformats.org/officeDocument/2006/relationships" xmlns:p="http://schemas.openxmlformats.org/presentationml/2006/main">
   <p:cSld>
     <p:spTree>
@@ -10074,7 +10794,7 @@
         <p:spPr>
           <a:xfrm>
             <a:off x="1349593" y="1659279"/>
-            <a:ext cx="6988162" cy="2862322"/>
+            <a:ext cx="6988162" cy="1323439"/>
           </a:xfrm>
           <a:prstGeom prst="rect">
             <a:avLst/>
@@ -10122,41 +10842,43 @@
               <a:t>Supports names or long file names.</a:t>
             </a:r>
           </a:p>
+        </p:txBody>
+      </p:sp>
+      <p:sp>
+        <p:nvSpPr>
+          <p:cNvPr id="4" name="Slide Number Placeholder 3">
+            <a:extLst>
+              <a:ext uri="{FF2B5EF4-FFF2-40B4-BE49-F238E27FC236}">
+                <a16:creationId xmlns:a16="http://schemas.microsoft.com/office/drawing/2014/main" id="{AE50342F-AB24-FE31-EEB9-861DEF0E0646}"/>
+              </a:ext>
+            </a:extLst>
+          </p:cNvPr>
+          <p:cNvSpPr>
+            <a:spLocks noGrp="1"/>
+          </p:cNvSpPr>
+          <p:nvPr>
+            <p:ph type="sldNum" idx="12"/>
+          </p:nvPr>
+        </p:nvSpPr>
+        <p:spPr/>
+        <p:txBody>
+          <a:bodyPr/>
+          <a:lstStyle/>
           <a:p>
-            <a:pPr marL="285750" indent="-285750" algn="just">
-              <a:buFont typeface="Arial" panose="020B0604020202020204" pitchFamily="34" charset="0"/>
-              <a:buChar char="•"/>
+            <a:pPr marL="0" lvl="0" indent="0" algn="r" rtl="0">
+              <a:spcBef>
+                <a:spcPts val="0"/>
+              </a:spcBef>
+              <a:spcAft>
+                <a:spcPts val="0"/>
+              </a:spcAft>
+              <a:buNone/>
             </a:pPr>
-            <a:r>
-              <a:rPr lang="en-US" sz="2000" dirty="0">
-                <a:latin typeface="Oswald" panose="00000500000000000000" pitchFamily="2" charset="0"/>
-              </a:rPr>
-              <a:t>New entries are added to the directory using a first-available or next-available strategy.</a:t>
-            </a:r>
-          </a:p>
-          <a:p>
-            <a:pPr marL="285750" indent="-285750" algn="just">
-              <a:buFont typeface="Arial" panose="020B0604020202020204" pitchFamily="34" charset="0"/>
-              <a:buChar char="•"/>
-            </a:pPr>
-            <a:r>
-              <a:rPr lang="en-US" sz="2000" dirty="0">
-                <a:latin typeface="Oswald" panose="00000500000000000000" pitchFamily="2" charset="0"/>
-              </a:rPr>
-              <a:t>First-available: Finds first unallocated entry in the directory.</a:t>
-            </a:r>
-          </a:p>
-          <a:p>
-            <a:pPr marL="285750" indent="-285750" algn="just">
-              <a:buFont typeface="Arial" panose="020B0604020202020204" pitchFamily="34" charset="0"/>
-              <a:buChar char="•"/>
-            </a:pPr>
-            <a:r>
-              <a:rPr lang="en-US" sz="2000" dirty="0">
-                <a:latin typeface="Oswald" panose="00000500000000000000" pitchFamily="2" charset="0"/>
-              </a:rPr>
-              <a:t>Next-available: Finds next available entry from the last allocated entry; at end of directory chain, start again at beginning.</a:t>
-            </a:r>
+            <a:fld id="{00000000-1234-1234-1234-123412341234}" type="slidenum">
+              <a:rPr lang="vi-VN" smtClean="0"/>
+              <a:t>12</a:t>
+            </a:fld>
+            <a:endParaRPr lang="vi-VN"/>
           </a:p>
         </p:txBody>
       </p:sp>
@@ -10176,7 +10898,7 @@
 </p:sld>
 </file>
 
-<file path=ppt/slides/slide12.xml><?xml version="1.0" encoding="utf-8"?>
+<file path=ppt/slides/slide13.xml><?xml version="1.0" encoding="utf-8"?>
 <p:sld xmlns:a="http://schemas.openxmlformats.org/drawingml/2006/main" xmlns:r="http://schemas.openxmlformats.org/officeDocument/2006/relationships" xmlns:p="http://schemas.openxmlformats.org/presentationml/2006/main">
   <p:cSld>
     <p:spTree>
@@ -10387,6 +11109,44 @@
           </a:p>
         </p:txBody>
       </p:sp>
+      <p:sp>
+        <p:nvSpPr>
+          <p:cNvPr id="4" name="Slide Number Placeholder 3">
+            <a:extLst>
+              <a:ext uri="{FF2B5EF4-FFF2-40B4-BE49-F238E27FC236}">
+                <a16:creationId xmlns:a16="http://schemas.microsoft.com/office/drawing/2014/main" id="{0A1CE4FE-2C55-1F0A-0DF6-805CC4036373}"/>
+              </a:ext>
+            </a:extLst>
+          </p:cNvPr>
+          <p:cNvSpPr>
+            <a:spLocks noGrp="1"/>
+          </p:cNvSpPr>
+          <p:nvPr>
+            <p:ph type="sldNum" idx="12"/>
+          </p:nvPr>
+        </p:nvSpPr>
+        <p:spPr/>
+        <p:txBody>
+          <a:bodyPr/>
+          <a:lstStyle/>
+          <a:p>
+            <a:pPr marL="0" lvl="0" indent="0" algn="r" rtl="0">
+              <a:spcBef>
+                <a:spcPts val="0"/>
+              </a:spcBef>
+              <a:spcAft>
+                <a:spcPts val="0"/>
+              </a:spcAft>
+              <a:buNone/>
+            </a:pPr>
+            <a:fld id="{00000000-1234-1234-1234-123412341234}" type="slidenum">
+              <a:rPr lang="vi-VN" smtClean="0"/>
+              <a:t>13</a:t>
+            </a:fld>
+            <a:endParaRPr lang="vi-VN"/>
+          </a:p>
+        </p:txBody>
+      </p:sp>
     </p:spTree>
     <p:extLst>
       <p:ext uri="{BB962C8B-B14F-4D97-AF65-F5344CB8AC3E}">
@@ -10403,7 +11163,7 @@
 </p:sld>
 </file>
 
-<file path=ppt/slides/slide13.xml><?xml version="1.0" encoding="utf-8"?>
+<file path=ppt/slides/slide14.xml><?xml version="1.0" encoding="utf-8"?>
 <p:sld xmlns:a="http://schemas.openxmlformats.org/drawingml/2006/main" xmlns:r="http://schemas.openxmlformats.org/officeDocument/2006/relationships" xmlns:p="http://schemas.openxmlformats.org/presentationml/2006/main">
   <p:cSld>
     <p:spTree>
@@ -10969,6 +11729,44 @@
           </a:graphicData>
         </a:graphic>
       </p:graphicFrame>
+      <p:sp>
+        <p:nvSpPr>
+          <p:cNvPr id="2" name="Slide Number Placeholder 1">
+            <a:extLst>
+              <a:ext uri="{FF2B5EF4-FFF2-40B4-BE49-F238E27FC236}">
+                <a16:creationId xmlns:a16="http://schemas.microsoft.com/office/drawing/2014/main" id="{B364D5B0-7E62-DB47-9BBA-74DD5FD8D14F}"/>
+              </a:ext>
+            </a:extLst>
+          </p:cNvPr>
+          <p:cNvSpPr>
+            <a:spLocks noGrp="1"/>
+          </p:cNvSpPr>
+          <p:nvPr>
+            <p:ph type="sldNum" idx="12"/>
+          </p:nvPr>
+        </p:nvSpPr>
+        <p:spPr/>
+        <p:txBody>
+          <a:bodyPr/>
+          <a:lstStyle/>
+          <a:p>
+            <a:pPr marL="0" lvl="0" indent="0" algn="r" rtl="0">
+              <a:spcBef>
+                <a:spcPts val="0"/>
+              </a:spcBef>
+              <a:spcAft>
+                <a:spcPts val="0"/>
+              </a:spcAft>
+              <a:buNone/>
+            </a:pPr>
+            <a:fld id="{00000000-1234-1234-1234-123412341234}" type="slidenum">
+              <a:rPr lang="vi-VN" smtClean="0"/>
+              <a:t>14</a:t>
+            </a:fld>
+            <a:endParaRPr lang="vi-VN"/>
+          </a:p>
+        </p:txBody>
+      </p:sp>
     </p:spTree>
     <p:extLst>
       <p:ext uri="{BB962C8B-B14F-4D97-AF65-F5344CB8AC3E}">
@@ -10985,7 +11783,7 @@
 </p:sld>
 </file>
 
-<file path=ppt/slides/slide14.xml><?xml version="1.0" encoding="utf-8"?>
+<file path=ppt/slides/slide15.xml><?xml version="1.0" encoding="utf-8"?>
 <p:sld xmlns:a="http://schemas.openxmlformats.org/drawingml/2006/main" xmlns:r="http://schemas.openxmlformats.org/officeDocument/2006/relationships" xmlns:p="http://schemas.openxmlformats.org/presentationml/2006/main">
   <p:cSld>
     <p:spTree>
@@ -11502,6 +12300,44 @@
           </a:graphicData>
         </a:graphic>
       </p:graphicFrame>
+      <p:sp>
+        <p:nvSpPr>
+          <p:cNvPr id="2" name="Slide Number Placeholder 1">
+            <a:extLst>
+              <a:ext uri="{FF2B5EF4-FFF2-40B4-BE49-F238E27FC236}">
+                <a16:creationId xmlns:a16="http://schemas.microsoft.com/office/drawing/2014/main" id="{0A58DA6B-D003-B937-DE01-A36F78F70114}"/>
+              </a:ext>
+            </a:extLst>
+          </p:cNvPr>
+          <p:cNvSpPr>
+            <a:spLocks noGrp="1"/>
+          </p:cNvSpPr>
+          <p:nvPr>
+            <p:ph type="sldNum" idx="12"/>
+          </p:nvPr>
+        </p:nvSpPr>
+        <p:spPr/>
+        <p:txBody>
+          <a:bodyPr/>
+          <a:lstStyle/>
+          <a:p>
+            <a:pPr marL="0" lvl="0" indent="0" algn="r" rtl="0">
+              <a:spcBef>
+                <a:spcPts val="0"/>
+              </a:spcBef>
+              <a:spcAft>
+                <a:spcPts val="0"/>
+              </a:spcAft>
+              <a:buNone/>
+            </a:pPr>
+            <a:fld id="{00000000-1234-1234-1234-123412341234}" type="slidenum">
+              <a:rPr lang="vi-VN" smtClean="0"/>
+              <a:t>15</a:t>
+            </a:fld>
+            <a:endParaRPr lang="vi-VN"/>
+          </a:p>
+        </p:txBody>
+      </p:sp>
     </p:spTree>
     <p:extLst>
       <p:ext uri="{BB962C8B-B14F-4D97-AF65-F5344CB8AC3E}">
@@ -11518,7 +12354,7 @@
 </p:sld>
 </file>
 
-<file path=ppt/slides/slide15.xml><?xml version="1.0" encoding="utf-8"?>
+<file path=ppt/slides/slide16.xml><?xml version="1.0" encoding="utf-8"?>
 <p:sld xmlns:a="http://schemas.openxmlformats.org/drawingml/2006/main" xmlns:r="http://schemas.openxmlformats.org/officeDocument/2006/relationships" xmlns:p="http://schemas.openxmlformats.org/presentationml/2006/main">
   <p:cSld>
     <p:spTree>
@@ -11863,6 +12699,44 @@
           </a:p>
         </p:txBody>
       </p:sp>
+      <p:sp>
+        <p:nvSpPr>
+          <p:cNvPr id="4" name="Slide Number Placeholder 3">
+            <a:extLst>
+              <a:ext uri="{FF2B5EF4-FFF2-40B4-BE49-F238E27FC236}">
+                <a16:creationId xmlns:a16="http://schemas.microsoft.com/office/drawing/2014/main" id="{6CD4A12F-6DB0-09CF-A245-52BD6F051F79}"/>
+              </a:ext>
+            </a:extLst>
+          </p:cNvPr>
+          <p:cNvSpPr>
+            <a:spLocks noGrp="1"/>
+          </p:cNvSpPr>
+          <p:nvPr>
+            <p:ph type="sldNum" idx="12"/>
+          </p:nvPr>
+        </p:nvSpPr>
+        <p:spPr/>
+        <p:txBody>
+          <a:bodyPr/>
+          <a:lstStyle/>
+          <a:p>
+            <a:pPr marL="0" lvl="0" indent="0" algn="r" rtl="0">
+              <a:spcBef>
+                <a:spcPts val="0"/>
+              </a:spcBef>
+              <a:spcAft>
+                <a:spcPts val="0"/>
+              </a:spcAft>
+              <a:buNone/>
+            </a:pPr>
+            <a:fld id="{00000000-1234-1234-1234-123412341234}" type="slidenum">
+              <a:rPr lang="vi-VN" smtClean="0"/>
+              <a:t>16</a:t>
+            </a:fld>
+            <a:endParaRPr lang="vi-VN"/>
+          </a:p>
+        </p:txBody>
+      </p:sp>
     </p:spTree>
     <p:extLst>
       <p:ext uri="{BB962C8B-B14F-4D97-AF65-F5344CB8AC3E}">
@@ -11879,7 +12753,7 @@
 </p:sld>
 </file>
 
-<file path=ppt/slides/slide16.xml><?xml version="1.0" encoding="utf-8"?>
+<file path=ppt/slides/slide17.xml><?xml version="1.0" encoding="utf-8"?>
 <p:sld xmlns:a="http://schemas.openxmlformats.org/drawingml/2006/main" xmlns:r="http://schemas.openxmlformats.org/officeDocument/2006/relationships" xmlns:p="http://schemas.openxmlformats.org/presentationml/2006/main">
   <p:cSld>
     <p:bg>
@@ -13303,6 +14177,44 @@
           </a:p>
         </p:txBody>
       </p:sp>
+      <p:sp>
+        <p:nvSpPr>
+          <p:cNvPr id="2" name="Slide Number Placeholder 1">
+            <a:extLst>
+              <a:ext uri="{FF2B5EF4-FFF2-40B4-BE49-F238E27FC236}">
+                <a16:creationId xmlns:a16="http://schemas.microsoft.com/office/drawing/2014/main" id="{00916646-8780-6369-1CFD-5F99D48EECE2}"/>
+              </a:ext>
+            </a:extLst>
+          </p:cNvPr>
+          <p:cNvSpPr>
+            <a:spLocks noGrp="1"/>
+          </p:cNvSpPr>
+          <p:nvPr>
+            <p:ph type="sldNum" idx="12"/>
+          </p:nvPr>
+        </p:nvSpPr>
+        <p:spPr/>
+        <p:txBody>
+          <a:bodyPr/>
+          <a:lstStyle/>
+          <a:p>
+            <a:pPr marL="0" lvl="0" indent="0" algn="r" rtl="0">
+              <a:spcBef>
+                <a:spcPts val="0"/>
+              </a:spcBef>
+              <a:spcAft>
+                <a:spcPts val="0"/>
+              </a:spcAft>
+              <a:buNone/>
+            </a:pPr>
+            <a:fld id="{00000000-1234-1234-1234-123412341234}" type="slidenum">
+              <a:rPr lang="vi-VN" smtClean="0"/>
+              <a:t>17</a:t>
+            </a:fld>
+            <a:endParaRPr lang="vi-VN"/>
+          </a:p>
+        </p:txBody>
+      </p:sp>
     </p:spTree>
     <p:extLst>
       <p:ext uri="{BB962C8B-B14F-4D97-AF65-F5344CB8AC3E}">
@@ -13319,7 +14231,7 @@
 </p:sld>
 </file>
 
-<file path=ppt/slides/slide17.xml><?xml version="1.0" encoding="utf-8"?>
+<file path=ppt/slides/slide18.xml><?xml version="1.0" encoding="utf-8"?>
 <p:sld xmlns:a="http://schemas.openxmlformats.org/drawingml/2006/main" xmlns:r="http://schemas.openxmlformats.org/officeDocument/2006/relationships" xmlns:p="http://schemas.openxmlformats.org/presentationml/2006/main">
   <p:cSld>
     <p:spTree>
@@ -13521,6 +14433,44 @@
           </a:p>
         </p:txBody>
       </p:sp>
+      <p:sp>
+        <p:nvSpPr>
+          <p:cNvPr id="3" name="Slide Number Placeholder 2">
+            <a:extLst>
+              <a:ext uri="{FF2B5EF4-FFF2-40B4-BE49-F238E27FC236}">
+                <a16:creationId xmlns:a16="http://schemas.microsoft.com/office/drawing/2014/main" id="{17CC0569-5898-001F-08FB-DF9D414F3A5C}"/>
+              </a:ext>
+            </a:extLst>
+          </p:cNvPr>
+          <p:cNvSpPr>
+            <a:spLocks noGrp="1"/>
+          </p:cNvSpPr>
+          <p:nvPr>
+            <p:ph type="sldNum" idx="12"/>
+          </p:nvPr>
+        </p:nvSpPr>
+        <p:spPr/>
+        <p:txBody>
+          <a:bodyPr/>
+          <a:lstStyle/>
+          <a:p>
+            <a:pPr marL="0" lvl="0" indent="0" algn="r" rtl="0">
+              <a:spcBef>
+                <a:spcPts val="0"/>
+              </a:spcBef>
+              <a:spcAft>
+                <a:spcPts val="0"/>
+              </a:spcAft>
+              <a:buNone/>
+            </a:pPr>
+            <a:fld id="{00000000-1234-1234-1234-123412341234}" type="slidenum">
+              <a:rPr lang="vi-VN" smtClean="0"/>
+              <a:t>18</a:t>
+            </a:fld>
+            <a:endParaRPr lang="vi-VN"/>
+          </a:p>
+        </p:txBody>
+      </p:sp>
     </p:spTree>
     <p:extLst>
       <p:ext uri="{BB962C8B-B14F-4D97-AF65-F5344CB8AC3E}">
@@ -13537,7 +14487,7 @@
 </p:sld>
 </file>
 
-<file path=ppt/slides/slide18.xml><?xml version="1.0" encoding="utf-8"?>
+<file path=ppt/slides/slide19.xml><?xml version="1.0" encoding="utf-8"?>
 <p:sld xmlns:a="http://schemas.openxmlformats.org/drawingml/2006/main" xmlns:r="http://schemas.openxmlformats.org/officeDocument/2006/relationships" xmlns:p="http://schemas.openxmlformats.org/presentationml/2006/main">
   <p:cSld>
     <p:spTree>
@@ -15285,6 +16235,44 @@
           </p:txBody>
         </p:sp>
       </p:grpSp>
+      <p:sp>
+        <p:nvSpPr>
+          <p:cNvPr id="17" name="Slide Number Placeholder 16">
+            <a:extLst>
+              <a:ext uri="{FF2B5EF4-FFF2-40B4-BE49-F238E27FC236}">
+                <a16:creationId xmlns:a16="http://schemas.microsoft.com/office/drawing/2014/main" id="{9A98969B-B02C-E16D-4EC2-3F9A06F6B4D4}"/>
+              </a:ext>
+            </a:extLst>
+          </p:cNvPr>
+          <p:cNvSpPr>
+            <a:spLocks noGrp="1"/>
+          </p:cNvSpPr>
+          <p:nvPr>
+            <p:ph type="sldNum" idx="12"/>
+          </p:nvPr>
+        </p:nvSpPr>
+        <p:spPr/>
+        <p:txBody>
+          <a:bodyPr/>
+          <a:lstStyle/>
+          <a:p>
+            <a:pPr marL="0" lvl="0" indent="0" algn="r" rtl="0">
+              <a:spcBef>
+                <a:spcPts val="0"/>
+              </a:spcBef>
+              <a:spcAft>
+                <a:spcPts val="0"/>
+              </a:spcAft>
+              <a:buNone/>
+            </a:pPr>
+            <a:fld id="{00000000-1234-1234-1234-123412341234}" type="slidenum">
+              <a:rPr lang="vi-VN" smtClean="0"/>
+              <a:t>19</a:t>
+            </a:fld>
+            <a:endParaRPr lang="vi-VN"/>
+          </a:p>
+        </p:txBody>
+      </p:sp>
     </p:spTree>
     <p:extLst>
       <p:ext uri="{BB962C8B-B14F-4D97-AF65-F5344CB8AC3E}">
@@ -15295,117 +16283,6 @@
   <p:clrMapOvr>
     <a:masterClrMapping/>
   </p:clrMapOvr>
-</p:sld>
-</file>
-
-<file path=ppt/slides/slide19.xml><?xml version="1.0" encoding="utf-8"?>
-<p:sld xmlns:a="http://schemas.openxmlformats.org/drawingml/2006/main" xmlns:r="http://schemas.openxmlformats.org/officeDocument/2006/relationships" xmlns:p="http://schemas.openxmlformats.org/presentationml/2006/main">
-  <p:cSld>
-    <p:spTree>
-      <p:nvGrpSpPr>
-        <p:cNvPr id="1" name="Shape 97"/>
-        <p:cNvGrpSpPr/>
-        <p:nvPr/>
-      </p:nvGrpSpPr>
-      <p:grpSpPr>
-        <a:xfrm>
-          <a:off x="0" y="0"/>
-          <a:ext cx="0" cy="0"/>
-          <a:chOff x="0" y="0"/>
-          <a:chExt cx="0" cy="0"/>
-        </a:xfrm>
-      </p:grpSpPr>
-      <p:pic>
-        <p:nvPicPr>
-          <p:cNvPr id="5" name="Picture 4">
-            <a:extLst>
-              <a:ext uri="{FF2B5EF4-FFF2-40B4-BE49-F238E27FC236}">
-                <a16:creationId xmlns:a16="http://schemas.microsoft.com/office/drawing/2014/main" id="{6208B2E5-187E-A429-D172-2A93264BA117}"/>
-              </a:ext>
-            </a:extLst>
-          </p:cNvPr>
-          <p:cNvPicPr>
-            <a:picLocks noChangeAspect="1"/>
-          </p:cNvPicPr>
-          <p:nvPr/>
-        </p:nvPicPr>
-        <p:blipFill>
-          <a:blip r:embed="rId3"/>
-          <a:stretch>
-            <a:fillRect/>
-          </a:stretch>
-        </p:blipFill>
-        <p:spPr>
-          <a:xfrm>
-            <a:off x="1248638" y="1553449"/>
-            <a:ext cx="7221594" cy="3751101"/>
-          </a:xfrm>
-          <a:prstGeom prst="rect">
-            <a:avLst/>
-          </a:prstGeom>
-        </p:spPr>
-      </p:pic>
-      <p:sp>
-        <p:nvSpPr>
-          <p:cNvPr id="22" name="TextBox 21">
-            <a:extLst>
-              <a:ext uri="{FF2B5EF4-FFF2-40B4-BE49-F238E27FC236}">
-                <a16:creationId xmlns:a16="http://schemas.microsoft.com/office/drawing/2014/main" id="{59F31015-F759-AB53-A018-224453021832}"/>
-              </a:ext>
-            </a:extLst>
-          </p:cNvPr>
-          <p:cNvSpPr txBox="1"/>
-          <p:nvPr/>
-        </p:nvSpPr>
-        <p:spPr>
-          <a:xfrm>
-            <a:off x="-323587" y="722744"/>
-            <a:ext cx="7195458" cy="646331"/>
-          </a:xfrm>
-          <a:prstGeom prst="rect">
-            <a:avLst/>
-          </a:prstGeom>
-          <a:noFill/>
-        </p:spPr>
-        <p:txBody>
-          <a:bodyPr wrap="square" rtlCol="0">
-            <a:spAutoFit/>
-          </a:bodyPr>
-          <a:lstStyle/>
-          <a:p>
-            <a:pPr algn="ctr"/>
-            <a:r>
-              <a:rPr lang="en-US" sz="3600" b="1" dirty="0">
-                <a:latin typeface="Oswald" panose="00000500000000000000" pitchFamily="2" charset="0"/>
-                <a:cs typeface="Aharoni" panose="02010803020104030203" pitchFamily="2" charset="-79"/>
-              </a:rPr>
-              <a:t>READ BOOT SECTOR</a:t>
-            </a:r>
-            <a:endParaRPr lang="vi-VN" sz="3600" b="1" i="0" u="none" strike="noStrike" cap="none" dirty="0">
-              <a:solidFill>
-                <a:schemeClr val="dk1"/>
-              </a:solidFill>
-              <a:latin typeface="Oswald" panose="00000500000000000000" pitchFamily="2" charset="0"/>
-              <a:ea typeface="Roboto"/>
-              <a:cs typeface="Calibri" panose="020F0502020204030204" pitchFamily="34" charset="0"/>
-              <a:sym typeface="Roboto"/>
-            </a:endParaRPr>
-          </a:p>
-        </p:txBody>
-      </p:sp>
-    </p:spTree>
-    <p:extLst>
-      <p:ext uri="{BB962C8B-B14F-4D97-AF65-F5344CB8AC3E}">
-        <p14:creationId xmlns:p14="http://schemas.microsoft.com/office/powerpoint/2010/main" val="2966572705"/>
-      </p:ext>
-    </p:extLst>
-  </p:cSld>
-  <p:clrMapOvr>
-    <a:masterClrMapping/>
-  </p:clrMapOvr>
-  <p:transition spd="slow" advTm="7022">
-    <p:push dir="u"/>
-  </p:transition>
 </p:sld>
 </file>
 
@@ -17758,10 +18635,10 @@
       </p:pic>
       <p:pic>
         <p:nvPicPr>
-          <p:cNvPr id="17" name="Picture 12">
+          <p:cNvPr id="2" name="Picture 10" descr="Tổng hợp 50 hình ảnh đại diện facebook ý nghĩa, đẹp, độc đáo có 1 0 2">
             <a:extLst>
               <a:ext uri="{FF2B5EF4-FFF2-40B4-BE49-F238E27FC236}">
-                <a16:creationId xmlns:a16="http://schemas.microsoft.com/office/drawing/2014/main" id="{AE8073A7-A3DD-87C0-6B2B-579C3303CED9}"/>
+                <a16:creationId xmlns:a16="http://schemas.microsoft.com/office/drawing/2014/main" id="{FE5FE237-DD70-67C6-44EA-B1DD3CC1E786}"/>
               </a:ext>
             </a:extLst>
           </p:cNvPr>
@@ -17771,7 +18648,7 @@
           <p:nvPr/>
         </p:nvPicPr>
         <p:blipFill>
-          <a:blip r:embed="rId4">
+          <a:blip r:embed="rId3">
             <a:extLst>
               <a:ext uri="{28A0092B-C50C-407E-A947-70E740481C1C}">
                 <a14:useLocalDpi xmlns:a14="http://schemas.microsoft.com/office/drawing/2010/main" val="0"/>
@@ -17785,8 +18662,8 @@
         </p:blipFill>
         <p:spPr bwMode="auto">
           <a:xfrm>
-            <a:off x="5204071" y="3584778"/>
-            <a:ext cx="1514404" cy="1517918"/>
+            <a:off x="5204071" y="3566485"/>
+            <a:ext cx="1514404" cy="1514404"/>
           </a:xfrm>
           <a:prstGeom prst="rect">
             <a:avLst/>
@@ -17803,6 +18680,44 @@
           </a:extLst>
         </p:spPr>
       </p:pic>
+      <p:sp>
+        <p:nvSpPr>
+          <p:cNvPr id="11" name="Slide Number Placeholder 10">
+            <a:extLst>
+              <a:ext uri="{FF2B5EF4-FFF2-40B4-BE49-F238E27FC236}">
+                <a16:creationId xmlns:a16="http://schemas.microsoft.com/office/drawing/2014/main" id="{181508CC-B2B7-39D9-363D-2D64F603BC2A}"/>
+              </a:ext>
+            </a:extLst>
+          </p:cNvPr>
+          <p:cNvSpPr>
+            <a:spLocks noGrp="1"/>
+          </p:cNvSpPr>
+          <p:nvPr>
+            <p:ph type="sldNum" idx="12"/>
+          </p:nvPr>
+        </p:nvSpPr>
+        <p:spPr/>
+        <p:txBody>
+          <a:bodyPr/>
+          <a:lstStyle/>
+          <a:p>
+            <a:pPr marL="0" lvl="0" indent="0" algn="r" rtl="0">
+              <a:spcBef>
+                <a:spcPts val="0"/>
+              </a:spcBef>
+              <a:spcAft>
+                <a:spcPts val="0"/>
+              </a:spcAft>
+              <a:buNone/>
+            </a:pPr>
+            <a:fld id="{00000000-1234-1234-1234-123412341234}" type="slidenum">
+              <a:rPr lang="vi-VN" smtClean="0"/>
+              <a:t>2</a:t>
+            </a:fld>
+            <a:endParaRPr lang="vi-VN" dirty="0"/>
+          </a:p>
+        </p:txBody>
+      </p:sp>
     </p:spTree>
     <p:extLst>
       <p:ext uri="{BB962C8B-B14F-4D97-AF65-F5344CB8AC3E}">
@@ -17813,11 +18728,11 @@
   <p:clrMapOvr>
     <a:masterClrMapping/>
   </p:clrMapOvr>
-  <mc:AlternateContent xmlns:mc="http://schemas.openxmlformats.org/markup-compatibility/2006">
-    <mc:Choice xmlns:p14="http://schemas.microsoft.com/office/powerpoint/2010/main" Requires="p14">
+  <mc:AlternateContent xmlns:mc="http://schemas.openxmlformats.org/markup-compatibility/2006" xmlns:p14="http://schemas.microsoft.com/office/powerpoint/2010/main">
+    <mc:Choice Requires="p14">
       <p:transition spd="slow" p14:dur="2000" advTm="14893"/>
     </mc:Choice>
-    <mc:Fallback>
+    <mc:Fallback xmlns="">
       <p:transition spd="slow" advTm="14893"/>
     </mc:Fallback>
   </mc:AlternateContent>
@@ -17825,6 +18740,155 @@
 </file>
 
 <file path=ppt/slides/slide20.xml><?xml version="1.0" encoding="utf-8"?>
+<p:sld xmlns:a="http://schemas.openxmlformats.org/drawingml/2006/main" xmlns:r="http://schemas.openxmlformats.org/officeDocument/2006/relationships" xmlns:p="http://schemas.openxmlformats.org/presentationml/2006/main">
+  <p:cSld>
+    <p:spTree>
+      <p:nvGrpSpPr>
+        <p:cNvPr id="1" name="Shape 97"/>
+        <p:cNvGrpSpPr/>
+        <p:nvPr/>
+      </p:nvGrpSpPr>
+      <p:grpSpPr>
+        <a:xfrm>
+          <a:off x="0" y="0"/>
+          <a:ext cx="0" cy="0"/>
+          <a:chOff x="0" y="0"/>
+          <a:chExt cx="0" cy="0"/>
+        </a:xfrm>
+      </p:grpSpPr>
+      <p:pic>
+        <p:nvPicPr>
+          <p:cNvPr id="5" name="Picture 4">
+            <a:extLst>
+              <a:ext uri="{FF2B5EF4-FFF2-40B4-BE49-F238E27FC236}">
+                <a16:creationId xmlns:a16="http://schemas.microsoft.com/office/drawing/2014/main" id="{6208B2E5-187E-A429-D172-2A93264BA117}"/>
+              </a:ext>
+            </a:extLst>
+          </p:cNvPr>
+          <p:cNvPicPr>
+            <a:picLocks noChangeAspect="1"/>
+          </p:cNvPicPr>
+          <p:nvPr/>
+        </p:nvPicPr>
+        <p:blipFill>
+          <a:blip r:embed="rId3"/>
+          <a:stretch>
+            <a:fillRect/>
+          </a:stretch>
+        </p:blipFill>
+        <p:spPr>
+          <a:xfrm>
+            <a:off x="1248638" y="1553449"/>
+            <a:ext cx="7221594" cy="3751101"/>
+          </a:xfrm>
+          <a:prstGeom prst="rect">
+            <a:avLst/>
+          </a:prstGeom>
+        </p:spPr>
+      </p:pic>
+      <p:sp>
+        <p:nvSpPr>
+          <p:cNvPr id="22" name="TextBox 21">
+            <a:extLst>
+              <a:ext uri="{FF2B5EF4-FFF2-40B4-BE49-F238E27FC236}">
+                <a16:creationId xmlns:a16="http://schemas.microsoft.com/office/drawing/2014/main" id="{59F31015-F759-AB53-A018-224453021832}"/>
+              </a:ext>
+            </a:extLst>
+          </p:cNvPr>
+          <p:cNvSpPr txBox="1"/>
+          <p:nvPr/>
+        </p:nvSpPr>
+        <p:spPr>
+          <a:xfrm>
+            <a:off x="-323587" y="722744"/>
+            <a:ext cx="7195458" cy="646331"/>
+          </a:xfrm>
+          <a:prstGeom prst="rect">
+            <a:avLst/>
+          </a:prstGeom>
+          <a:noFill/>
+        </p:spPr>
+        <p:txBody>
+          <a:bodyPr wrap="square" rtlCol="0">
+            <a:spAutoFit/>
+          </a:bodyPr>
+          <a:lstStyle/>
+          <a:p>
+            <a:pPr algn="ctr"/>
+            <a:r>
+              <a:rPr lang="en-US" sz="3600" b="1" dirty="0">
+                <a:latin typeface="Oswald" panose="00000500000000000000" pitchFamily="2" charset="0"/>
+                <a:cs typeface="Aharoni" panose="02010803020104030203" pitchFamily="2" charset="-79"/>
+              </a:rPr>
+              <a:t>READ BOOT SECTOR</a:t>
+            </a:r>
+            <a:endParaRPr lang="vi-VN" sz="3600" b="1" i="0" u="none" strike="noStrike" cap="none" dirty="0">
+              <a:solidFill>
+                <a:schemeClr val="dk1"/>
+              </a:solidFill>
+              <a:latin typeface="Oswald" panose="00000500000000000000" pitchFamily="2" charset="0"/>
+              <a:ea typeface="Roboto"/>
+              <a:cs typeface="Calibri" panose="020F0502020204030204" pitchFamily="34" charset="0"/>
+              <a:sym typeface="Roboto"/>
+            </a:endParaRPr>
+          </a:p>
+        </p:txBody>
+      </p:sp>
+      <p:sp>
+        <p:nvSpPr>
+          <p:cNvPr id="2" name="Slide Number Placeholder 1">
+            <a:extLst>
+              <a:ext uri="{FF2B5EF4-FFF2-40B4-BE49-F238E27FC236}">
+                <a16:creationId xmlns:a16="http://schemas.microsoft.com/office/drawing/2014/main" id="{4D1B4A20-421D-E03B-0BD4-CF93DCD70579}"/>
+              </a:ext>
+            </a:extLst>
+          </p:cNvPr>
+          <p:cNvSpPr>
+            <a:spLocks noGrp="1"/>
+          </p:cNvSpPr>
+          <p:nvPr>
+            <p:ph type="sldNum" idx="12"/>
+          </p:nvPr>
+        </p:nvSpPr>
+        <p:spPr/>
+        <p:txBody>
+          <a:bodyPr/>
+          <a:lstStyle/>
+          <a:p>
+            <a:pPr marL="0" lvl="0" indent="0" algn="r" rtl="0">
+              <a:spcBef>
+                <a:spcPts val="0"/>
+              </a:spcBef>
+              <a:spcAft>
+                <a:spcPts val="0"/>
+              </a:spcAft>
+              <a:buNone/>
+            </a:pPr>
+            <a:fld id="{00000000-1234-1234-1234-123412341234}" type="slidenum">
+              <a:rPr lang="vi-VN" smtClean="0"/>
+              <a:t>20</a:t>
+            </a:fld>
+            <a:endParaRPr lang="vi-VN"/>
+          </a:p>
+        </p:txBody>
+      </p:sp>
+    </p:spTree>
+    <p:extLst>
+      <p:ext uri="{BB962C8B-B14F-4D97-AF65-F5344CB8AC3E}">
+        <p14:creationId xmlns:p14="http://schemas.microsoft.com/office/powerpoint/2010/main" val="2966572705"/>
+      </p:ext>
+    </p:extLst>
+  </p:cSld>
+  <p:clrMapOvr>
+    <a:masterClrMapping/>
+  </p:clrMapOvr>
+  <p:transition spd="slow" advTm="7022">
+    <p:push dir="u"/>
+  </p:transition>
+</p:sld>
+</file>
+
+<file path=ppt/slides/slide21.xml><?xml version="1.0" encoding="utf-8"?>
 <p:sld xmlns:a="http://schemas.openxmlformats.org/drawingml/2006/main" xmlns:r="http://schemas.openxmlformats.org/officeDocument/2006/relationships" xmlns:p="http://schemas.openxmlformats.org/presentationml/2006/main">
   <p:cSld>
     <p:spTree>
@@ -18341,6 +19405,44 @@
           </p:txBody>
         </p:sp>
       </p:grpSp>
+      <p:sp>
+        <p:nvSpPr>
+          <p:cNvPr id="12" name="Slide Number Placeholder 11">
+            <a:extLst>
+              <a:ext uri="{FF2B5EF4-FFF2-40B4-BE49-F238E27FC236}">
+                <a16:creationId xmlns:a16="http://schemas.microsoft.com/office/drawing/2014/main" id="{8BADE5F6-32B7-7DD7-23B6-17D32C9AA685}"/>
+              </a:ext>
+            </a:extLst>
+          </p:cNvPr>
+          <p:cNvSpPr>
+            <a:spLocks noGrp="1"/>
+          </p:cNvSpPr>
+          <p:nvPr>
+            <p:ph type="sldNum" idx="12"/>
+          </p:nvPr>
+        </p:nvSpPr>
+        <p:spPr/>
+        <p:txBody>
+          <a:bodyPr/>
+          <a:lstStyle/>
+          <a:p>
+            <a:pPr marL="0" lvl="0" indent="0" algn="r" rtl="0">
+              <a:spcBef>
+                <a:spcPts val="0"/>
+              </a:spcBef>
+              <a:spcAft>
+                <a:spcPts val="0"/>
+              </a:spcAft>
+              <a:buNone/>
+            </a:pPr>
+            <a:fld id="{00000000-1234-1234-1234-123412341234}" type="slidenum">
+              <a:rPr lang="vi-VN" smtClean="0"/>
+              <a:t>21</a:t>
+            </a:fld>
+            <a:endParaRPr lang="vi-VN"/>
+          </a:p>
+        </p:txBody>
+      </p:sp>
     </p:spTree>
     <p:extLst>
       <p:ext uri="{BB962C8B-B14F-4D97-AF65-F5344CB8AC3E}">
@@ -18357,7 +19459,7 @@
 </p:sld>
 </file>
 
-<file path=ppt/slides/slide21.xml><?xml version="1.0" encoding="utf-8"?>
+<file path=ppt/slides/slide22.xml><?xml version="1.0" encoding="utf-8"?>
 <p:sld xmlns:a="http://schemas.openxmlformats.org/drawingml/2006/main" xmlns:r="http://schemas.openxmlformats.org/officeDocument/2006/relationships" xmlns:p="http://schemas.openxmlformats.org/presentationml/2006/main">
   <p:cSld>
     <p:spTree>
@@ -18907,6 +20009,44 @@
           </a:graphicData>
         </a:graphic>
       </p:graphicFrame>
+      <p:sp>
+        <p:nvSpPr>
+          <p:cNvPr id="5" name="Slide Number Placeholder 4">
+            <a:extLst>
+              <a:ext uri="{FF2B5EF4-FFF2-40B4-BE49-F238E27FC236}">
+                <a16:creationId xmlns:a16="http://schemas.microsoft.com/office/drawing/2014/main" id="{A3BC9B6D-D9F0-1B77-EA1A-3EA322BB5784}"/>
+              </a:ext>
+            </a:extLst>
+          </p:cNvPr>
+          <p:cNvSpPr>
+            <a:spLocks noGrp="1"/>
+          </p:cNvSpPr>
+          <p:nvPr>
+            <p:ph type="sldNum" idx="12"/>
+          </p:nvPr>
+        </p:nvSpPr>
+        <p:spPr/>
+        <p:txBody>
+          <a:bodyPr/>
+          <a:lstStyle/>
+          <a:p>
+            <a:pPr marL="0" lvl="0" indent="0" algn="r" rtl="0">
+              <a:spcBef>
+                <a:spcPts val="0"/>
+              </a:spcBef>
+              <a:spcAft>
+                <a:spcPts val="0"/>
+              </a:spcAft>
+              <a:buNone/>
+            </a:pPr>
+            <a:fld id="{00000000-1234-1234-1234-123412341234}" type="slidenum">
+              <a:rPr lang="vi-VN" smtClean="0"/>
+              <a:t>22</a:t>
+            </a:fld>
+            <a:endParaRPr lang="vi-VN"/>
+          </a:p>
+        </p:txBody>
+      </p:sp>
     </p:spTree>
     <p:extLst>
       <p:ext uri="{BB962C8B-B14F-4D97-AF65-F5344CB8AC3E}">
@@ -18923,7 +20063,7 @@
 </p:sld>
 </file>
 
-<file path=ppt/slides/slide22.xml><?xml version="1.0" encoding="utf-8"?>
+<file path=ppt/slides/slide23.xml><?xml version="1.0" encoding="utf-8"?>
 <p:sld xmlns:a="http://schemas.openxmlformats.org/drawingml/2006/main" xmlns:r="http://schemas.openxmlformats.org/officeDocument/2006/relationships" xmlns:p="http://schemas.openxmlformats.org/presentationml/2006/main">
   <p:cSld>
     <p:spTree>
@@ -19420,6 +20560,459 @@
           </p:txBody>
         </p:sp>
       </p:grpSp>
+      <p:sp>
+        <p:nvSpPr>
+          <p:cNvPr id="3" name="Slide Number Placeholder 2">
+            <a:extLst>
+              <a:ext uri="{FF2B5EF4-FFF2-40B4-BE49-F238E27FC236}">
+                <a16:creationId xmlns:a16="http://schemas.microsoft.com/office/drawing/2014/main" id="{3392C9FB-D8FA-3076-B4D5-92728A89F833}"/>
+              </a:ext>
+            </a:extLst>
+          </p:cNvPr>
+          <p:cNvSpPr>
+            <a:spLocks noGrp="1"/>
+          </p:cNvSpPr>
+          <p:nvPr>
+            <p:ph type="sldNum" idx="12"/>
+          </p:nvPr>
+        </p:nvSpPr>
+        <p:spPr/>
+        <p:txBody>
+          <a:bodyPr/>
+          <a:lstStyle/>
+          <a:p>
+            <a:pPr marL="0" lvl="0" indent="0" algn="r" rtl="0">
+              <a:spcBef>
+                <a:spcPts val="0"/>
+              </a:spcBef>
+              <a:spcAft>
+                <a:spcPts val="0"/>
+              </a:spcAft>
+              <a:buNone/>
+            </a:pPr>
+            <a:fld id="{00000000-1234-1234-1234-123412341234}" type="slidenum">
+              <a:rPr lang="vi-VN" smtClean="0"/>
+              <a:t>23</a:t>
+            </a:fld>
+            <a:endParaRPr lang="vi-VN"/>
+          </a:p>
+        </p:txBody>
+      </p:sp>
+      <p:grpSp>
+        <p:nvGrpSpPr>
+          <p:cNvPr id="4" name="Group 3">
+            <a:extLst>
+              <a:ext uri="{FF2B5EF4-FFF2-40B4-BE49-F238E27FC236}">
+                <a16:creationId xmlns:a16="http://schemas.microsoft.com/office/drawing/2014/main" id="{A1C7ACC7-CD55-E7C2-234D-304F64C55738}"/>
+              </a:ext>
+            </a:extLst>
+          </p:cNvPr>
+          <p:cNvGrpSpPr/>
+          <p:nvPr/>
+        </p:nvGrpSpPr>
+        <p:grpSpPr>
+          <a:xfrm>
+            <a:off x="1268443" y="1078480"/>
+            <a:ext cx="6607113" cy="4435224"/>
+            <a:chOff x="1543745" y="1407664"/>
+            <a:chExt cx="6607113" cy="4435224"/>
+          </a:xfrm>
+        </p:grpSpPr>
+        <p:pic>
+          <p:nvPicPr>
+            <p:cNvPr id="5" name="Picture 4">
+              <a:extLst>
+                <a:ext uri="{FF2B5EF4-FFF2-40B4-BE49-F238E27FC236}">
+                  <a16:creationId xmlns:a16="http://schemas.microsoft.com/office/drawing/2014/main" id="{D00BA0F5-45BE-FC15-8049-3770B8AFA911}"/>
+                </a:ext>
+              </a:extLst>
+            </p:cNvPr>
+            <p:cNvPicPr>
+              <a:picLocks noChangeAspect="1"/>
+            </p:cNvPicPr>
+            <p:nvPr/>
+          </p:nvPicPr>
+          <p:blipFill>
+            <a:blip r:embed="rId3"/>
+            <a:stretch>
+              <a:fillRect/>
+            </a:stretch>
+          </p:blipFill>
+          <p:spPr>
+            <a:xfrm>
+              <a:off x="1543745" y="1407664"/>
+              <a:ext cx="6607113" cy="4435224"/>
+            </a:xfrm>
+            <a:prstGeom prst="rect">
+              <a:avLst/>
+            </a:prstGeom>
+          </p:spPr>
+        </p:pic>
+        <p:sp>
+          <p:nvSpPr>
+            <p:cNvPr id="6" name="Rectangle 5">
+              <a:extLst>
+                <a:ext uri="{FF2B5EF4-FFF2-40B4-BE49-F238E27FC236}">
+                  <a16:creationId xmlns:a16="http://schemas.microsoft.com/office/drawing/2014/main" id="{F102E704-C119-61C7-76C7-C3E28848B3D8}"/>
+                </a:ext>
+              </a:extLst>
+            </p:cNvPr>
+            <p:cNvSpPr/>
+            <p:nvPr/>
+          </p:nvSpPr>
+          <p:spPr>
+            <a:xfrm>
+              <a:off x="2418737" y="1966453"/>
+              <a:ext cx="2025444" cy="272462"/>
+            </a:xfrm>
+            <a:prstGeom prst="rect">
+              <a:avLst/>
+            </a:prstGeom>
+            <a:noFill/>
+            <a:ln w="19050">
+              <a:solidFill>
+                <a:srgbClr val="FF0000"/>
+              </a:solidFill>
+            </a:ln>
+          </p:spPr>
+          <p:style>
+            <a:lnRef idx="2">
+              <a:schemeClr val="accent1">
+                <a:shade val="15000"/>
+              </a:schemeClr>
+            </a:lnRef>
+            <a:fillRef idx="1">
+              <a:schemeClr val="accent1"/>
+            </a:fillRef>
+            <a:effectRef idx="0">
+              <a:schemeClr val="accent1"/>
+            </a:effectRef>
+            <a:fontRef idx="minor">
+              <a:schemeClr val="lt1"/>
+            </a:fontRef>
+          </p:style>
+          <p:txBody>
+            <a:bodyPr rtlCol="0" anchor="ctr"/>
+            <a:lstStyle/>
+            <a:p>
+              <a:pPr algn="ctr"/>
+              <a:endParaRPr lang="en-US"/>
+            </a:p>
+          </p:txBody>
+        </p:sp>
+        <p:sp>
+          <p:nvSpPr>
+            <p:cNvPr id="8" name="Rectangle 7">
+              <a:extLst>
+                <a:ext uri="{FF2B5EF4-FFF2-40B4-BE49-F238E27FC236}">
+                  <a16:creationId xmlns:a16="http://schemas.microsoft.com/office/drawing/2014/main" id="{86DA86E7-411D-5623-2FB5-8903C8CF0C55}"/>
+                </a:ext>
+              </a:extLst>
+            </p:cNvPr>
+            <p:cNvSpPr/>
+            <p:nvPr/>
+          </p:nvSpPr>
+          <p:spPr>
+            <a:xfrm>
+              <a:off x="4503174" y="1966453"/>
+              <a:ext cx="727587" cy="263225"/>
+            </a:xfrm>
+            <a:prstGeom prst="rect">
+              <a:avLst/>
+            </a:prstGeom>
+            <a:noFill/>
+            <a:ln w="19050">
+              <a:solidFill>
+                <a:srgbClr val="FF0000"/>
+              </a:solidFill>
+            </a:ln>
+          </p:spPr>
+          <p:style>
+            <a:lnRef idx="2">
+              <a:schemeClr val="accent1">
+                <a:shade val="15000"/>
+              </a:schemeClr>
+            </a:lnRef>
+            <a:fillRef idx="1">
+              <a:schemeClr val="accent1"/>
+            </a:fillRef>
+            <a:effectRef idx="0">
+              <a:schemeClr val="accent1"/>
+            </a:effectRef>
+            <a:fontRef idx="minor">
+              <a:schemeClr val="lt1"/>
+            </a:fontRef>
+          </p:style>
+          <p:txBody>
+            <a:bodyPr rtlCol="0" anchor="ctr"/>
+            <a:lstStyle/>
+            <a:p>
+              <a:pPr algn="ctr"/>
+              <a:endParaRPr lang="en-US"/>
+            </a:p>
+          </p:txBody>
+        </p:sp>
+        <p:sp>
+          <p:nvSpPr>
+            <p:cNvPr id="17" name="Rectangle 16">
+              <a:extLst>
+                <a:ext uri="{FF2B5EF4-FFF2-40B4-BE49-F238E27FC236}">
+                  <a16:creationId xmlns:a16="http://schemas.microsoft.com/office/drawing/2014/main" id="{7E302836-E929-C868-FE71-85FCE007DCB7}"/>
+                </a:ext>
+              </a:extLst>
+            </p:cNvPr>
+            <p:cNvSpPr/>
+            <p:nvPr/>
+          </p:nvSpPr>
+          <p:spPr>
+            <a:xfrm>
+              <a:off x="4955458" y="2176302"/>
+              <a:ext cx="540696" cy="263225"/>
+            </a:xfrm>
+            <a:prstGeom prst="rect">
+              <a:avLst/>
+            </a:prstGeom>
+            <a:noFill/>
+            <a:ln w="19050">
+              <a:solidFill>
+                <a:srgbClr val="FFFF00"/>
+              </a:solidFill>
+            </a:ln>
+          </p:spPr>
+          <p:style>
+            <a:lnRef idx="2">
+              <a:schemeClr val="accent1">
+                <a:shade val="15000"/>
+              </a:schemeClr>
+            </a:lnRef>
+            <a:fillRef idx="1">
+              <a:schemeClr val="accent1"/>
+            </a:fillRef>
+            <a:effectRef idx="0">
+              <a:schemeClr val="accent1"/>
+            </a:effectRef>
+            <a:fontRef idx="minor">
+              <a:schemeClr val="lt1"/>
+            </a:fontRef>
+          </p:style>
+          <p:txBody>
+            <a:bodyPr rtlCol="0" anchor="ctr"/>
+            <a:lstStyle/>
+            <a:p>
+              <a:pPr algn="ctr"/>
+              <a:endParaRPr lang="en-US"/>
+            </a:p>
+          </p:txBody>
+        </p:sp>
+        <p:sp>
+          <p:nvSpPr>
+            <p:cNvPr id="18" name="Rectangle 17">
+              <a:extLst>
+                <a:ext uri="{FF2B5EF4-FFF2-40B4-BE49-F238E27FC236}">
+                  <a16:creationId xmlns:a16="http://schemas.microsoft.com/office/drawing/2014/main" id="{576FD7EA-DBC6-43A6-F66B-39515398F90A}"/>
+                </a:ext>
+              </a:extLst>
+            </p:cNvPr>
+            <p:cNvSpPr/>
+            <p:nvPr/>
+          </p:nvSpPr>
+          <p:spPr>
+            <a:xfrm>
+              <a:off x="5486400" y="2176303"/>
+              <a:ext cx="1008364" cy="263225"/>
+            </a:xfrm>
+            <a:prstGeom prst="rect">
+              <a:avLst/>
+            </a:prstGeom>
+            <a:noFill/>
+            <a:ln w="19050">
+              <a:solidFill>
+                <a:srgbClr val="00B050"/>
+              </a:solidFill>
+            </a:ln>
+          </p:spPr>
+          <p:style>
+            <a:lnRef idx="2">
+              <a:schemeClr val="accent1">
+                <a:shade val="15000"/>
+              </a:schemeClr>
+            </a:lnRef>
+            <a:fillRef idx="1">
+              <a:schemeClr val="accent1"/>
+            </a:fillRef>
+            <a:effectRef idx="0">
+              <a:schemeClr val="accent1"/>
+            </a:effectRef>
+            <a:fontRef idx="minor">
+              <a:schemeClr val="lt1"/>
+            </a:fontRef>
+          </p:style>
+          <p:txBody>
+            <a:bodyPr rtlCol="0" anchor="ctr"/>
+            <a:lstStyle/>
+            <a:p>
+              <a:pPr algn="ctr"/>
+              <a:endParaRPr lang="en-US"/>
+            </a:p>
+          </p:txBody>
+        </p:sp>
+        <p:sp>
+          <p:nvSpPr>
+            <p:cNvPr id="19" name="Rectangle 18">
+              <a:extLst>
+                <a:ext uri="{FF2B5EF4-FFF2-40B4-BE49-F238E27FC236}">
+                  <a16:creationId xmlns:a16="http://schemas.microsoft.com/office/drawing/2014/main" id="{CC3E16ED-F0BB-331D-F02F-FB5800DA79D2}"/>
+                </a:ext>
+              </a:extLst>
+            </p:cNvPr>
+            <p:cNvSpPr/>
+            <p:nvPr/>
+          </p:nvSpPr>
+          <p:spPr>
+            <a:xfrm>
+              <a:off x="4955458" y="4886632"/>
+              <a:ext cx="540696" cy="192857"/>
+            </a:xfrm>
+            <a:prstGeom prst="rect">
+              <a:avLst/>
+            </a:prstGeom>
+            <a:noFill/>
+            <a:ln w="19050">
+              <a:solidFill>
+                <a:srgbClr val="FFFF00"/>
+              </a:solidFill>
+            </a:ln>
+          </p:spPr>
+          <p:style>
+            <a:lnRef idx="2">
+              <a:schemeClr val="accent1">
+                <a:shade val="15000"/>
+              </a:schemeClr>
+            </a:lnRef>
+            <a:fillRef idx="1">
+              <a:schemeClr val="accent1"/>
+            </a:fillRef>
+            <a:effectRef idx="0">
+              <a:schemeClr val="accent1"/>
+            </a:effectRef>
+            <a:fontRef idx="minor">
+              <a:schemeClr val="lt1"/>
+            </a:fontRef>
+          </p:style>
+          <p:txBody>
+            <a:bodyPr rtlCol="0" anchor="ctr"/>
+            <a:lstStyle/>
+            <a:p>
+              <a:pPr algn="ctr"/>
+              <a:endParaRPr lang="en-US"/>
+            </a:p>
+          </p:txBody>
+        </p:sp>
+        <p:sp>
+          <p:nvSpPr>
+            <p:cNvPr id="20" name="Rectangle 19">
+              <a:extLst>
+                <a:ext uri="{FF2B5EF4-FFF2-40B4-BE49-F238E27FC236}">
+                  <a16:creationId xmlns:a16="http://schemas.microsoft.com/office/drawing/2014/main" id="{BA1790B0-2BDF-67DC-C65F-5AF6E8936034}"/>
+                </a:ext>
+              </a:extLst>
+            </p:cNvPr>
+            <p:cNvSpPr/>
+            <p:nvPr/>
+          </p:nvSpPr>
+          <p:spPr>
+            <a:xfrm>
+              <a:off x="5230761" y="1571615"/>
+              <a:ext cx="265393" cy="263225"/>
+            </a:xfrm>
+            <a:prstGeom prst="rect">
+              <a:avLst/>
+            </a:prstGeom>
+            <a:noFill/>
+            <a:ln w="19050">
+              <a:solidFill>
+                <a:srgbClr val="0070C0"/>
+              </a:solidFill>
+            </a:ln>
+          </p:spPr>
+          <p:style>
+            <a:lnRef idx="2">
+              <a:schemeClr val="accent1">
+                <a:shade val="15000"/>
+              </a:schemeClr>
+            </a:lnRef>
+            <a:fillRef idx="1">
+              <a:schemeClr val="accent1"/>
+            </a:fillRef>
+            <a:effectRef idx="0">
+              <a:schemeClr val="accent1"/>
+            </a:effectRef>
+            <a:fontRef idx="minor">
+              <a:schemeClr val="lt1"/>
+            </a:fontRef>
+          </p:style>
+          <p:txBody>
+            <a:bodyPr rtlCol="0" anchor="ctr"/>
+            <a:lstStyle/>
+            <a:p>
+              <a:pPr algn="ctr"/>
+              <a:endParaRPr lang="en-US"/>
+            </a:p>
+          </p:txBody>
+        </p:sp>
+        <p:sp>
+          <p:nvSpPr>
+            <p:cNvPr id="21" name="Rectangle 20">
+              <a:extLst>
+                <a:ext uri="{FF2B5EF4-FFF2-40B4-BE49-F238E27FC236}">
+                  <a16:creationId xmlns:a16="http://schemas.microsoft.com/office/drawing/2014/main" id="{8BB508DB-DBED-9B8A-D1F4-EF0AB97CDD2F}"/>
+                </a:ext>
+              </a:extLst>
+            </p:cNvPr>
+            <p:cNvSpPr/>
+            <p:nvPr/>
+          </p:nvSpPr>
+          <p:spPr>
+            <a:xfrm>
+              <a:off x="5230761" y="4623406"/>
+              <a:ext cx="265393" cy="263225"/>
+            </a:xfrm>
+            <a:prstGeom prst="rect">
+              <a:avLst/>
+            </a:prstGeom>
+            <a:noFill/>
+            <a:ln w="19050">
+              <a:solidFill>
+                <a:srgbClr val="0070C0"/>
+              </a:solidFill>
+            </a:ln>
+          </p:spPr>
+          <p:style>
+            <a:lnRef idx="2">
+              <a:schemeClr val="accent1">
+                <a:shade val="15000"/>
+              </a:schemeClr>
+            </a:lnRef>
+            <a:fillRef idx="1">
+              <a:schemeClr val="accent1"/>
+            </a:fillRef>
+            <a:effectRef idx="0">
+              <a:schemeClr val="accent1"/>
+            </a:effectRef>
+            <a:fontRef idx="minor">
+              <a:schemeClr val="lt1"/>
+            </a:fontRef>
+          </p:style>
+          <p:txBody>
+            <a:bodyPr rtlCol="0" anchor="ctr"/>
+            <a:lstStyle/>
+            <a:p>
+              <a:pPr algn="ctr"/>
+              <a:endParaRPr lang="en-US"/>
+            </a:p>
+          </p:txBody>
+        </p:sp>
+      </p:grpSp>
     </p:spTree>
     <p:extLst>
       <p:ext uri="{BB962C8B-B14F-4D97-AF65-F5344CB8AC3E}">
@@ -19436,7 +21029,7 @@
 </p:sld>
 </file>
 
-<file path=ppt/slides/slide23.xml><?xml version="1.0" encoding="utf-8"?>
+<file path=ppt/slides/slide24.xml><?xml version="1.0" encoding="utf-8"?>
 <p:sld xmlns:a="http://schemas.openxmlformats.org/drawingml/2006/main" xmlns:r="http://schemas.openxmlformats.org/officeDocument/2006/relationships" xmlns:p="http://schemas.openxmlformats.org/presentationml/2006/main">
   <p:cSld>
     <p:spTree>
@@ -20646,6 +22239,44 @@
           </a:p>
         </p:txBody>
       </p:sp>
+      <p:sp>
+        <p:nvSpPr>
+          <p:cNvPr id="2" name="Slide Number Placeholder 1">
+            <a:extLst>
+              <a:ext uri="{FF2B5EF4-FFF2-40B4-BE49-F238E27FC236}">
+                <a16:creationId xmlns:a16="http://schemas.microsoft.com/office/drawing/2014/main" id="{47531F20-8064-C206-45ED-350FA2C9ADDF}"/>
+              </a:ext>
+            </a:extLst>
+          </p:cNvPr>
+          <p:cNvSpPr>
+            <a:spLocks noGrp="1"/>
+          </p:cNvSpPr>
+          <p:nvPr>
+            <p:ph type="sldNum" idx="12"/>
+          </p:nvPr>
+        </p:nvSpPr>
+        <p:spPr/>
+        <p:txBody>
+          <a:bodyPr/>
+          <a:lstStyle/>
+          <a:p>
+            <a:pPr marL="0" lvl="0" indent="0" algn="r" rtl="0">
+              <a:spcBef>
+                <a:spcPts val="0"/>
+              </a:spcBef>
+              <a:spcAft>
+                <a:spcPts val="0"/>
+              </a:spcAft>
+              <a:buNone/>
+            </a:pPr>
+            <a:fld id="{00000000-1234-1234-1234-123412341234}" type="slidenum">
+              <a:rPr lang="vi-VN" smtClean="0"/>
+              <a:t>24</a:t>
+            </a:fld>
+            <a:endParaRPr lang="vi-VN"/>
+          </a:p>
+        </p:txBody>
+      </p:sp>
     </p:spTree>
     <p:extLst>
       <p:ext uri="{BB962C8B-B14F-4D97-AF65-F5344CB8AC3E}">
@@ -20662,7 +22293,7 @@
 </p:sld>
 </file>
 
-<file path=ppt/slides/slide24.xml><?xml version="1.0" encoding="utf-8"?>
+<file path=ppt/slides/slide25.xml><?xml version="1.0" encoding="utf-8"?>
 <p:sld xmlns:a="http://schemas.openxmlformats.org/drawingml/2006/main" xmlns:r="http://schemas.openxmlformats.org/officeDocument/2006/relationships" xmlns:p="http://schemas.openxmlformats.org/presentationml/2006/main">
   <p:cSld>
     <p:bg>
@@ -21581,6 +23212,44 @@
           </a:p>
         </p:txBody>
       </p:sp>
+      <p:sp>
+        <p:nvSpPr>
+          <p:cNvPr id="3" name="Slide Number Placeholder 2">
+            <a:extLst>
+              <a:ext uri="{FF2B5EF4-FFF2-40B4-BE49-F238E27FC236}">
+                <a16:creationId xmlns:a16="http://schemas.microsoft.com/office/drawing/2014/main" id="{52FA8E6F-F402-0572-0F34-3C2BAB9712A0}"/>
+              </a:ext>
+            </a:extLst>
+          </p:cNvPr>
+          <p:cNvSpPr>
+            <a:spLocks noGrp="1"/>
+          </p:cNvSpPr>
+          <p:nvPr>
+            <p:ph type="sldNum" idx="12"/>
+          </p:nvPr>
+        </p:nvSpPr>
+        <p:spPr/>
+        <p:txBody>
+          <a:bodyPr/>
+          <a:lstStyle/>
+          <a:p>
+            <a:pPr marL="0" lvl="0" indent="0" algn="r" rtl="0">
+              <a:spcBef>
+                <a:spcPts val="0"/>
+              </a:spcBef>
+              <a:spcAft>
+                <a:spcPts val="0"/>
+              </a:spcAft>
+              <a:buNone/>
+            </a:pPr>
+            <a:fld id="{00000000-1234-1234-1234-123412341234}" type="slidenum">
+              <a:rPr lang="vi-VN" smtClean="0"/>
+              <a:t>25</a:t>
+            </a:fld>
+            <a:endParaRPr lang="vi-VN"/>
+          </a:p>
+        </p:txBody>
+      </p:sp>
     </p:spTree>
     <p:extLst>
       <p:ext uri="{BB962C8B-B14F-4D97-AF65-F5344CB8AC3E}">
@@ -21597,7 +23266,7 @@
 </p:sld>
 </file>
 
-<file path=ppt/slides/slide25.xml><?xml version="1.0" encoding="utf-8"?>
+<file path=ppt/slides/slide26.xml><?xml version="1.0" encoding="utf-8"?>
 <p:sld xmlns:a="http://schemas.openxmlformats.org/drawingml/2006/main" xmlns:r="http://schemas.openxmlformats.org/officeDocument/2006/relationships" xmlns:p="http://schemas.openxmlformats.org/presentationml/2006/main">
   <p:cSld>
     <p:spTree>
@@ -21945,6 +23614,44 @@
           </a:p>
         </p:txBody>
       </p:sp>
+      <p:sp>
+        <p:nvSpPr>
+          <p:cNvPr id="2" name="Slide Number Placeholder 1">
+            <a:extLst>
+              <a:ext uri="{FF2B5EF4-FFF2-40B4-BE49-F238E27FC236}">
+                <a16:creationId xmlns:a16="http://schemas.microsoft.com/office/drawing/2014/main" id="{56393349-8A39-5842-65E5-5572828B0867}"/>
+              </a:ext>
+            </a:extLst>
+          </p:cNvPr>
+          <p:cNvSpPr>
+            <a:spLocks noGrp="1"/>
+          </p:cNvSpPr>
+          <p:nvPr>
+            <p:ph type="sldNum" idx="12"/>
+          </p:nvPr>
+        </p:nvSpPr>
+        <p:spPr/>
+        <p:txBody>
+          <a:bodyPr/>
+          <a:lstStyle/>
+          <a:p>
+            <a:pPr marL="0" lvl="0" indent="0" algn="r" rtl="0">
+              <a:spcBef>
+                <a:spcPts val="0"/>
+              </a:spcBef>
+              <a:spcAft>
+                <a:spcPts val="0"/>
+              </a:spcAft>
+              <a:buNone/>
+            </a:pPr>
+            <a:fld id="{00000000-1234-1234-1234-123412341234}" type="slidenum">
+              <a:rPr lang="vi-VN" smtClean="0"/>
+              <a:t>26</a:t>
+            </a:fld>
+            <a:endParaRPr lang="vi-VN"/>
+          </a:p>
+        </p:txBody>
+      </p:sp>
     </p:spTree>
     <p:extLst>
       <p:ext uri="{BB962C8B-B14F-4D97-AF65-F5344CB8AC3E}">
@@ -21961,7 +23668,7 @@
 </p:sld>
 </file>
 
-<file path=ppt/slides/slide26.xml><?xml version="1.0" encoding="utf-8"?>
+<file path=ppt/slides/slide27.xml><?xml version="1.0" encoding="utf-8"?>
 <p:sld xmlns:a="http://schemas.openxmlformats.org/drawingml/2006/main" xmlns:r="http://schemas.openxmlformats.org/officeDocument/2006/relationships" xmlns:p="http://schemas.openxmlformats.org/presentationml/2006/main">
   <p:cSld>
     <p:spTree>
@@ -22794,6 +24501,44 @@
           </a:p>
         </p:txBody>
       </p:sp>
+      <p:sp>
+        <p:nvSpPr>
+          <p:cNvPr id="2" name="Slide Number Placeholder 1">
+            <a:extLst>
+              <a:ext uri="{FF2B5EF4-FFF2-40B4-BE49-F238E27FC236}">
+                <a16:creationId xmlns:a16="http://schemas.microsoft.com/office/drawing/2014/main" id="{CACE5A56-6E6C-8353-680C-7DD5F1F77C5F}"/>
+              </a:ext>
+            </a:extLst>
+          </p:cNvPr>
+          <p:cNvSpPr>
+            <a:spLocks noGrp="1"/>
+          </p:cNvSpPr>
+          <p:nvPr>
+            <p:ph type="sldNum" idx="12"/>
+          </p:nvPr>
+        </p:nvSpPr>
+        <p:spPr/>
+        <p:txBody>
+          <a:bodyPr/>
+          <a:lstStyle/>
+          <a:p>
+            <a:pPr marL="0" lvl="0" indent="0" algn="r" rtl="0">
+              <a:spcBef>
+                <a:spcPts val="0"/>
+              </a:spcBef>
+              <a:spcAft>
+                <a:spcPts val="0"/>
+              </a:spcAft>
+              <a:buNone/>
+            </a:pPr>
+            <a:fld id="{00000000-1234-1234-1234-123412341234}" type="slidenum">
+              <a:rPr lang="vi-VN" smtClean="0"/>
+              <a:t>27</a:t>
+            </a:fld>
+            <a:endParaRPr lang="vi-VN"/>
+          </a:p>
+        </p:txBody>
+      </p:sp>
     </p:spTree>
     <p:extLst>
       <p:ext uri="{BB962C8B-B14F-4D97-AF65-F5344CB8AC3E}">
@@ -22810,7 +24555,7 @@
 </p:sld>
 </file>
 
-<file path=ppt/slides/slide27.xml><?xml version="1.0" encoding="utf-8"?>
+<file path=ppt/slides/slide28.xml><?xml version="1.0" encoding="utf-8"?>
 <p:sld xmlns:a="http://schemas.openxmlformats.org/drawingml/2006/main" xmlns:r="http://schemas.openxmlformats.org/officeDocument/2006/relationships" xmlns:p="http://schemas.openxmlformats.org/presentationml/2006/main">
   <p:cSld>
     <p:spTree>
@@ -23010,6 +24755,44 @@
           </a:p>
         </p:txBody>
       </p:sp>
+      <p:sp>
+        <p:nvSpPr>
+          <p:cNvPr id="3" name="Slide Number Placeholder 2">
+            <a:extLst>
+              <a:ext uri="{FF2B5EF4-FFF2-40B4-BE49-F238E27FC236}">
+                <a16:creationId xmlns:a16="http://schemas.microsoft.com/office/drawing/2014/main" id="{BBAA83F1-8138-C5EB-1903-9981501ED2AF}"/>
+              </a:ext>
+            </a:extLst>
+          </p:cNvPr>
+          <p:cNvSpPr>
+            <a:spLocks noGrp="1"/>
+          </p:cNvSpPr>
+          <p:nvPr>
+            <p:ph type="sldNum" idx="12"/>
+          </p:nvPr>
+        </p:nvSpPr>
+        <p:spPr/>
+        <p:txBody>
+          <a:bodyPr/>
+          <a:lstStyle/>
+          <a:p>
+            <a:pPr marL="0" lvl="0" indent="0" algn="r" rtl="0">
+              <a:spcBef>
+                <a:spcPts val="0"/>
+              </a:spcBef>
+              <a:spcAft>
+                <a:spcPts val="0"/>
+              </a:spcAft>
+              <a:buNone/>
+            </a:pPr>
+            <a:fld id="{00000000-1234-1234-1234-123412341234}" type="slidenum">
+              <a:rPr lang="vi-VN" smtClean="0"/>
+              <a:t>28</a:t>
+            </a:fld>
+            <a:endParaRPr lang="vi-VN"/>
+          </a:p>
+        </p:txBody>
+      </p:sp>
     </p:spTree>
     <p:extLst>
       <p:ext uri="{BB962C8B-B14F-4D97-AF65-F5344CB8AC3E}">
@@ -23026,7 +24809,7 @@
 </p:sld>
 </file>
 
-<file path=ppt/slides/slide28.xml><?xml version="1.0" encoding="utf-8"?>
+<file path=ppt/slides/slide29.xml><?xml version="1.0" encoding="utf-8"?>
 <p:sld xmlns:a="http://schemas.openxmlformats.org/drawingml/2006/main" xmlns:r="http://schemas.openxmlformats.org/officeDocument/2006/relationships" xmlns:p="http://schemas.openxmlformats.org/presentationml/2006/main">
   <p:cSld>
     <p:spTree>
@@ -23250,6 +25033,44 @@
           </a:p>
         </p:txBody>
       </p:sp>
+      <p:sp>
+        <p:nvSpPr>
+          <p:cNvPr id="3" name="Slide Number Placeholder 2">
+            <a:extLst>
+              <a:ext uri="{FF2B5EF4-FFF2-40B4-BE49-F238E27FC236}">
+                <a16:creationId xmlns:a16="http://schemas.microsoft.com/office/drawing/2014/main" id="{0ED8AD6D-40E9-C802-E816-0F42DD427F78}"/>
+              </a:ext>
+            </a:extLst>
+          </p:cNvPr>
+          <p:cNvSpPr>
+            <a:spLocks noGrp="1"/>
+          </p:cNvSpPr>
+          <p:nvPr>
+            <p:ph type="sldNum" idx="12"/>
+          </p:nvPr>
+        </p:nvSpPr>
+        <p:spPr/>
+        <p:txBody>
+          <a:bodyPr/>
+          <a:lstStyle/>
+          <a:p>
+            <a:pPr marL="0" lvl="0" indent="0" algn="r" rtl="0">
+              <a:spcBef>
+                <a:spcPts val="0"/>
+              </a:spcBef>
+              <a:spcAft>
+                <a:spcPts val="0"/>
+              </a:spcAft>
+              <a:buNone/>
+            </a:pPr>
+            <a:fld id="{00000000-1234-1234-1234-123412341234}" type="slidenum">
+              <a:rPr lang="vi-VN" smtClean="0"/>
+              <a:t>29</a:t>
+            </a:fld>
+            <a:endParaRPr lang="vi-VN"/>
+          </a:p>
+        </p:txBody>
+      </p:sp>
     </p:spTree>
     <p:extLst>
       <p:ext uri="{BB962C8B-B14F-4D97-AF65-F5344CB8AC3E}">
@@ -23266,7 +25087,477 @@
 </p:sld>
 </file>
 
-<file path=ppt/slides/slide29.xml><?xml version="1.0" encoding="utf-8"?>
+<file path=ppt/slides/slide3.xml><?xml version="1.0" encoding="utf-8"?>
+<p:sld xmlns:a="http://schemas.openxmlformats.org/drawingml/2006/main" xmlns:r="http://schemas.openxmlformats.org/officeDocument/2006/relationships" xmlns:p="http://schemas.openxmlformats.org/presentationml/2006/main">
+  <p:cSld>
+    <p:spTree>
+      <p:nvGrpSpPr>
+        <p:cNvPr id="1" name=""/>
+        <p:cNvGrpSpPr/>
+        <p:nvPr/>
+      </p:nvGrpSpPr>
+      <p:grpSpPr>
+        <a:xfrm>
+          <a:off x="0" y="0"/>
+          <a:ext cx="0" cy="0"/>
+          <a:chOff x="0" y="0"/>
+          <a:chExt cx="0" cy="0"/>
+        </a:xfrm>
+      </p:grpSpPr>
+      <p:sp>
+        <p:nvSpPr>
+          <p:cNvPr id="2" name="Slide Number Placeholder 1">
+            <a:extLst>
+              <a:ext uri="{FF2B5EF4-FFF2-40B4-BE49-F238E27FC236}">
+                <a16:creationId xmlns:a16="http://schemas.microsoft.com/office/drawing/2014/main" id="{B48AD56D-DDD6-D319-B95A-FC5D4010DC69}"/>
+              </a:ext>
+            </a:extLst>
+          </p:cNvPr>
+          <p:cNvSpPr>
+            <a:spLocks noGrp="1"/>
+          </p:cNvSpPr>
+          <p:nvPr>
+            <p:ph type="sldNum" idx="12"/>
+          </p:nvPr>
+        </p:nvSpPr>
+        <p:spPr/>
+        <p:txBody>
+          <a:bodyPr/>
+          <a:lstStyle/>
+          <a:p>
+            <a:pPr marL="0" lvl="0" indent="0" algn="r" rtl="0">
+              <a:spcBef>
+                <a:spcPts val="0"/>
+              </a:spcBef>
+              <a:spcAft>
+                <a:spcPts val="0"/>
+              </a:spcAft>
+              <a:buNone/>
+            </a:pPr>
+            <a:fld id="{00000000-1234-1234-1234-123412341234}" type="slidenum">
+              <a:rPr lang="vi-VN" smtClean="0"/>
+              <a:t>3</a:t>
+            </a:fld>
+            <a:endParaRPr lang="vi-VN"/>
+          </a:p>
+        </p:txBody>
+      </p:sp>
+      <p:sp>
+        <p:nvSpPr>
+          <p:cNvPr id="3" name="Google Shape;93;p13">
+            <a:extLst>
+              <a:ext uri="{FF2B5EF4-FFF2-40B4-BE49-F238E27FC236}">
+                <a16:creationId xmlns:a16="http://schemas.microsoft.com/office/drawing/2014/main" id="{37327740-7E70-6BB6-7248-32F879274D06}"/>
+              </a:ext>
+            </a:extLst>
+          </p:cNvPr>
+          <p:cNvSpPr txBox="1"/>
+          <p:nvPr/>
+        </p:nvSpPr>
+        <p:spPr>
+          <a:xfrm>
+            <a:off x="138009" y="804991"/>
+            <a:ext cx="5670900" cy="1077300"/>
+          </a:xfrm>
+          <a:prstGeom prst="rect">
+            <a:avLst/>
+          </a:prstGeom>
+          <a:noFill/>
+          <a:ln>
+            <a:noFill/>
+          </a:ln>
+        </p:spPr>
+        <p:txBody>
+          <a:bodyPr spcFirstLastPara="1" wrap="square" lIns="91425" tIns="45700" rIns="91425" bIns="45700" anchor="t" anchorCtr="0">
+            <a:noAutofit/>
+          </a:bodyPr>
+          <a:lstStyle/>
+          <a:p>
+            <a:pPr marL="0" marR="0" lvl="0" indent="0" algn="ctr" rtl="0">
+              <a:spcBef>
+                <a:spcPts val="0"/>
+              </a:spcBef>
+              <a:spcAft>
+                <a:spcPts val="0"/>
+              </a:spcAft>
+              <a:buNone/>
+            </a:pPr>
+            <a:r>
+              <a:rPr lang="en-US" sz="3600" b="1" dirty="0">
+                <a:latin typeface="Oswald" panose="00000500000000000000" pitchFamily="2" charset="0"/>
+              </a:rPr>
+              <a:t>ASSIGN WORK</a:t>
+            </a:r>
+            <a:endParaRPr lang="vi-VN" sz="3600" b="1" dirty="0">
+              <a:latin typeface="Oswald" panose="00000500000000000000" pitchFamily="2" charset="0"/>
+            </a:endParaRPr>
+          </a:p>
+        </p:txBody>
+      </p:sp>
+      <p:graphicFrame>
+        <p:nvGraphicFramePr>
+          <p:cNvPr id="4" name="Table 3">
+            <a:extLst>
+              <a:ext uri="{FF2B5EF4-FFF2-40B4-BE49-F238E27FC236}">
+                <a16:creationId xmlns:a16="http://schemas.microsoft.com/office/drawing/2014/main" id="{1C9E5FC4-E8AD-995B-CAF5-FB3E15ABF804}"/>
+              </a:ext>
+            </a:extLst>
+          </p:cNvPr>
+          <p:cNvGraphicFramePr>
+            <a:graphicFrameLocks noGrp="1"/>
+          </p:cNvGraphicFramePr>
+          <p:nvPr>
+            <p:extLst>
+              <p:ext uri="{D42A27DB-BD31-4B8C-83A1-F6EECF244321}">
+                <p14:modId xmlns:p14="http://schemas.microsoft.com/office/powerpoint/2010/main" val="2788198945"/>
+              </p:ext>
+            </p:extLst>
+          </p:nvPr>
+        </p:nvGraphicFramePr>
+        <p:xfrm>
+          <a:off x="1547148" y="1810867"/>
+          <a:ext cx="6659300" cy="2982334"/>
+        </p:xfrm>
+        <a:graphic>
+          <a:graphicData uri="http://schemas.openxmlformats.org/drawingml/2006/table">
+            <a:tbl>
+              <a:tblPr firstRow="1" bandRow="1">
+                <a:tableStyleId>{8D1D7844-83C3-48A6-B175-94CEE54076C9}</a:tableStyleId>
+              </a:tblPr>
+              <a:tblGrid>
+                <a:gridCol w="1664825">
+                  <a:extLst>
+                    <a:ext uri="{9D8B030D-6E8A-4147-A177-3AD203B41FA5}">
+                      <a16:colId xmlns:a16="http://schemas.microsoft.com/office/drawing/2014/main" val="4010055031"/>
+                    </a:ext>
+                  </a:extLst>
+                </a:gridCol>
+                <a:gridCol w="1664825">
+                  <a:extLst>
+                    <a:ext uri="{9D8B030D-6E8A-4147-A177-3AD203B41FA5}">
+                      <a16:colId xmlns:a16="http://schemas.microsoft.com/office/drawing/2014/main" val="1885222462"/>
+                    </a:ext>
+                  </a:extLst>
+                </a:gridCol>
+                <a:gridCol w="1664825">
+                  <a:extLst>
+                    <a:ext uri="{9D8B030D-6E8A-4147-A177-3AD203B41FA5}">
+                      <a16:colId xmlns:a16="http://schemas.microsoft.com/office/drawing/2014/main" val="4078928371"/>
+                    </a:ext>
+                  </a:extLst>
+                </a:gridCol>
+                <a:gridCol w="1664825">
+                  <a:extLst>
+                    <a:ext uri="{9D8B030D-6E8A-4147-A177-3AD203B41FA5}">
+                      <a16:colId xmlns:a16="http://schemas.microsoft.com/office/drawing/2014/main" val="2747028357"/>
+                    </a:ext>
+                  </a:extLst>
+                </a:gridCol>
+              </a:tblGrid>
+              <a:tr h="535972">
+                <a:tc>
+                  <a:txBody>
+                    <a:bodyPr/>
+                    <a:lstStyle/>
+                    <a:p>
+                      <a:pPr algn="ctr"/>
+                      <a:r>
+                        <a:rPr lang="en-US" sz="1800" dirty="0">
+                          <a:latin typeface="Oswald" panose="00000500000000000000" pitchFamily="2" charset="0"/>
+                        </a:rPr>
+                        <a:t>PHUC</a:t>
+                      </a:r>
+                    </a:p>
+                  </a:txBody>
+                  <a:tcPr/>
+                </a:tc>
+                <a:tc>
+                  <a:txBody>
+                    <a:bodyPr/>
+                    <a:lstStyle/>
+                    <a:p>
+                      <a:pPr algn="ctr"/>
+                      <a:r>
+                        <a:rPr lang="en-US" sz="1800" dirty="0">
+                          <a:latin typeface="Oswald" panose="00000500000000000000" pitchFamily="2" charset="0"/>
+                        </a:rPr>
+                        <a:t>HUNG</a:t>
+                      </a:r>
+                    </a:p>
+                  </a:txBody>
+                  <a:tcPr/>
+                </a:tc>
+                <a:tc>
+                  <a:txBody>
+                    <a:bodyPr/>
+                    <a:lstStyle/>
+                    <a:p>
+                      <a:pPr algn="ctr"/>
+                      <a:r>
+                        <a:rPr lang="en-US" sz="1800" dirty="0">
+                          <a:latin typeface="Oswald" panose="00000500000000000000" pitchFamily="2" charset="0"/>
+                        </a:rPr>
+                        <a:t>DANG</a:t>
+                      </a:r>
+                    </a:p>
+                  </a:txBody>
+                  <a:tcPr/>
+                </a:tc>
+                <a:tc>
+                  <a:txBody>
+                    <a:bodyPr/>
+                    <a:lstStyle/>
+                    <a:p>
+                      <a:pPr algn="ctr"/>
+                      <a:r>
+                        <a:rPr lang="en-US" sz="1800" dirty="0">
+                          <a:latin typeface="Oswald" panose="00000500000000000000" pitchFamily="2" charset="0"/>
+                        </a:rPr>
+                        <a:t>TRI</a:t>
+                      </a:r>
+                    </a:p>
+                  </a:txBody>
+                  <a:tcPr/>
+                </a:tc>
+                <a:extLst>
+                  <a:ext uri="{0D108BD9-81ED-4DB2-BD59-A6C34878D82A}">
+                    <a16:rowId xmlns:a16="http://schemas.microsoft.com/office/drawing/2014/main" val="461407728"/>
+                  </a:ext>
+                </a:extLst>
+              </a:tr>
+              <a:tr h="2446362">
+                <a:tc>
+                  <a:txBody>
+                    <a:bodyPr/>
+                    <a:lstStyle/>
+                    <a:p>
+                      <a:pPr marL="342900" indent="-342900">
+                        <a:buFont typeface="+mj-lt"/>
+                        <a:buAutoNum type="arabicPeriod"/>
+                      </a:pPr>
+                      <a:r>
+                        <a:rPr lang="en-US" sz="1800" dirty="0">
+                          <a:latin typeface="Oswald" panose="00000500000000000000" pitchFamily="2" charset="0"/>
+                        </a:rPr>
+                        <a:t>Slide</a:t>
+                      </a:r>
+                    </a:p>
+                    <a:p>
+                      <a:pPr marL="342900" indent="-342900">
+                        <a:buFont typeface="+mj-lt"/>
+                        <a:buAutoNum type="arabicPeriod"/>
+                      </a:pPr>
+                      <a:r>
+                        <a:rPr lang="en-US" sz="1800" dirty="0">
+                          <a:latin typeface="Oswald" panose="00000500000000000000" pitchFamily="2" charset="0"/>
+                        </a:rPr>
+                        <a:t>FAT parse</a:t>
+                      </a:r>
+                    </a:p>
+                    <a:p>
+                      <a:pPr marL="342900" indent="-342900">
+                        <a:buFont typeface="+mj-lt"/>
+                        <a:buAutoNum type="arabicPeriod"/>
+                      </a:pPr>
+                      <a:r>
+                        <a:rPr lang="en-US" sz="1800" dirty="0">
+                          <a:latin typeface="Oswald" panose="00000500000000000000" pitchFamily="2" charset="0"/>
+                        </a:rPr>
+                        <a:t>Display</a:t>
+                      </a:r>
+                    </a:p>
+                    <a:p>
+                      <a:pPr marL="342900" indent="-342900">
+                        <a:buFont typeface="+mj-lt"/>
+                        <a:buAutoNum type="arabicPeriod"/>
+                      </a:pPr>
+                      <a:r>
+                        <a:rPr lang="en-US" sz="1800" dirty="0">
+                          <a:latin typeface="Oswald" panose="00000500000000000000" pitchFamily="2" charset="0"/>
+                        </a:rPr>
+                        <a:t>IO</a:t>
+                      </a:r>
+                    </a:p>
+                  </a:txBody>
+                  <a:tcPr/>
+                </a:tc>
+                <a:tc>
+                  <a:txBody>
+                    <a:bodyPr/>
+                    <a:lstStyle/>
+                    <a:p>
+                      <a:pPr marL="342900" indent="-342900">
+                        <a:buFont typeface="+mj-lt"/>
+                        <a:buAutoNum type="arabicPeriod"/>
+                      </a:pPr>
+                      <a:r>
+                        <a:rPr lang="en-US" sz="1800" dirty="0">
+                          <a:latin typeface="Oswald" panose="00000500000000000000" pitchFamily="2" charset="0"/>
+                        </a:rPr>
+                        <a:t>Display</a:t>
+                      </a:r>
+                    </a:p>
+                    <a:p>
+                      <a:pPr marL="342900" indent="-342900">
+                        <a:buFont typeface="+mj-lt"/>
+                        <a:buAutoNum type="arabicPeriod"/>
+                      </a:pPr>
+                      <a:r>
+                        <a:rPr lang="en-US" sz="1800" dirty="0">
+                          <a:latin typeface="Oswald" panose="00000500000000000000" pitchFamily="2" charset="0"/>
+                        </a:rPr>
+                        <a:t>File system manager</a:t>
+                      </a:r>
+                    </a:p>
+                    <a:p>
+                      <a:pPr marL="342900" indent="-342900">
+                        <a:buFont typeface="+mj-lt"/>
+                        <a:buAutoNum type="arabicPeriod"/>
+                      </a:pPr>
+                      <a:r>
+                        <a:rPr lang="en-US" sz="1800" dirty="0">
+                          <a:latin typeface="Oswald" panose="00000500000000000000" pitchFamily="2" charset="0"/>
+                        </a:rPr>
+                        <a:t>Create File</a:t>
+                      </a:r>
+                    </a:p>
+                    <a:p>
+                      <a:pPr marL="342900" indent="-342900">
+                        <a:buFont typeface="+mj-lt"/>
+                        <a:buAutoNum type="arabicPeriod"/>
+                      </a:pPr>
+                      <a:r>
+                        <a:rPr lang="en-US" sz="1800" dirty="0">
+                          <a:latin typeface="Oswald" panose="00000500000000000000" pitchFamily="2" charset="0"/>
+                        </a:rPr>
+                        <a:t>IO</a:t>
+                      </a:r>
+                    </a:p>
+                  </a:txBody>
+                  <a:tcPr/>
+                </a:tc>
+                <a:tc>
+                  <a:txBody>
+                    <a:bodyPr/>
+                    <a:lstStyle/>
+                    <a:p>
+                      <a:pPr marL="342900" indent="-342900">
+                        <a:buFont typeface="+mj-lt"/>
+                        <a:buAutoNum type="arabicPeriod"/>
+                      </a:pPr>
+                      <a:r>
+                        <a:rPr lang="en-US" sz="1800" dirty="0">
+                          <a:latin typeface="Oswald" panose="00000500000000000000" pitchFamily="2" charset="0"/>
+                        </a:rPr>
+                        <a:t>Root Directory</a:t>
+                      </a:r>
+                    </a:p>
+                    <a:p>
+                      <a:pPr marL="342900" indent="-342900">
+                        <a:buFont typeface="+mj-lt"/>
+                        <a:buAutoNum type="arabicPeriod"/>
+                      </a:pPr>
+                      <a:r>
+                        <a:rPr lang="en-US" sz="1800" dirty="0">
+                          <a:latin typeface="Oswald" panose="00000500000000000000" pitchFamily="2" charset="0"/>
+                        </a:rPr>
+                        <a:t>Slide</a:t>
+                      </a:r>
+                    </a:p>
+                    <a:p>
+                      <a:pPr marL="342900" indent="-342900">
+                        <a:buFont typeface="+mj-lt"/>
+                        <a:buAutoNum type="arabicPeriod"/>
+                      </a:pPr>
+                      <a:r>
+                        <a:rPr lang="en-US" sz="1800" dirty="0">
+                          <a:latin typeface="Oswald" panose="00000500000000000000" pitchFamily="2" charset="0"/>
+                        </a:rPr>
+                        <a:t>Read Entry</a:t>
+                      </a:r>
+                    </a:p>
+                    <a:p>
+                      <a:pPr marL="342900" indent="-342900">
+                        <a:buFont typeface="+mj-lt"/>
+                        <a:buAutoNum type="arabicPeriod"/>
+                      </a:pPr>
+                      <a:r>
+                        <a:rPr lang="en-US" sz="1800" dirty="0">
+                          <a:latin typeface="Oswald" panose="00000500000000000000" pitchFamily="2" charset="0"/>
+                        </a:rPr>
+                        <a:t>Create folder</a:t>
+                      </a:r>
+                    </a:p>
+                  </a:txBody>
+                  <a:tcPr/>
+                </a:tc>
+                <a:tc>
+                  <a:txBody>
+                    <a:bodyPr/>
+                    <a:lstStyle/>
+                    <a:p>
+                      <a:pPr marL="342900" indent="-342900">
+                        <a:buFont typeface="+mj-lt"/>
+                        <a:buAutoNum type="arabicPeriod"/>
+                      </a:pPr>
+                      <a:r>
+                        <a:rPr lang="en-US" sz="1800" dirty="0">
+                          <a:latin typeface="Oswald" panose="00000500000000000000" pitchFamily="2" charset="0"/>
+                        </a:rPr>
+                        <a:t>Boot Sector</a:t>
+                      </a:r>
+                    </a:p>
+                    <a:p>
+                      <a:pPr marL="342900" indent="-342900">
+                        <a:buFont typeface="+mj-lt"/>
+                        <a:buAutoNum type="arabicPeriod"/>
+                      </a:pPr>
+                      <a:r>
+                        <a:rPr lang="en-US" sz="1800" dirty="0">
+                          <a:latin typeface="Oswald" panose="00000500000000000000" pitchFamily="2" charset="0"/>
+                        </a:rPr>
+                        <a:t>Linked List</a:t>
+                      </a:r>
+                    </a:p>
+                    <a:p>
+                      <a:pPr marL="342900" indent="-342900">
+                        <a:buFont typeface="+mj-lt"/>
+                        <a:buAutoNum type="arabicPeriod"/>
+                      </a:pPr>
+                      <a:r>
+                        <a:rPr lang="en-US" sz="1800" dirty="0">
+                          <a:latin typeface="Oswald" panose="00000500000000000000" pitchFamily="2" charset="0"/>
+                        </a:rPr>
+                        <a:t>Delete File</a:t>
+                      </a:r>
+                    </a:p>
+                  </a:txBody>
+                  <a:tcPr/>
+                </a:tc>
+                <a:extLst>
+                  <a:ext uri="{0D108BD9-81ED-4DB2-BD59-A6C34878D82A}">
+                    <a16:rowId xmlns:a16="http://schemas.microsoft.com/office/drawing/2014/main" val="3775016573"/>
+                  </a:ext>
+                </a:extLst>
+              </a:tr>
+            </a:tbl>
+          </a:graphicData>
+        </a:graphic>
+      </p:graphicFrame>
+    </p:spTree>
+    <p:extLst>
+      <p:ext uri="{BB962C8B-B14F-4D97-AF65-F5344CB8AC3E}">
+        <p14:creationId xmlns:p14="http://schemas.microsoft.com/office/powerpoint/2010/main" val="3008830892"/>
+      </p:ext>
+    </p:extLst>
+  </p:cSld>
+  <p:clrMapOvr>
+    <a:masterClrMapping/>
+  </p:clrMapOvr>
+</p:sld>
+</file>
+
+<file path=ppt/slides/slide30.xml><?xml version="1.0" encoding="utf-8"?>
 <p:sld xmlns:a="http://schemas.openxmlformats.org/drawingml/2006/main" xmlns:r="http://schemas.openxmlformats.org/officeDocument/2006/relationships" xmlns:p="http://schemas.openxmlformats.org/presentationml/2006/main">
   <p:cSld>
     <p:spTree>
@@ -23418,6 +25709,44 @@
           </a:p>
         </p:txBody>
       </p:sp>
+      <p:sp>
+        <p:nvSpPr>
+          <p:cNvPr id="3" name="Slide Number Placeholder 2">
+            <a:extLst>
+              <a:ext uri="{FF2B5EF4-FFF2-40B4-BE49-F238E27FC236}">
+                <a16:creationId xmlns:a16="http://schemas.microsoft.com/office/drawing/2014/main" id="{DFF8C7CD-C6D0-6FC2-09F1-7E2D190990B9}"/>
+              </a:ext>
+            </a:extLst>
+          </p:cNvPr>
+          <p:cNvSpPr>
+            <a:spLocks noGrp="1"/>
+          </p:cNvSpPr>
+          <p:nvPr>
+            <p:ph type="sldNum" idx="12"/>
+          </p:nvPr>
+        </p:nvSpPr>
+        <p:spPr/>
+        <p:txBody>
+          <a:bodyPr/>
+          <a:lstStyle/>
+          <a:p>
+            <a:pPr marL="0" lvl="0" indent="0" algn="r" rtl="0">
+              <a:spcBef>
+                <a:spcPts val="0"/>
+              </a:spcBef>
+              <a:spcAft>
+                <a:spcPts val="0"/>
+              </a:spcAft>
+              <a:buNone/>
+            </a:pPr>
+            <a:fld id="{00000000-1234-1234-1234-123412341234}" type="slidenum">
+              <a:rPr lang="vi-VN" smtClean="0"/>
+              <a:t>30</a:t>
+            </a:fld>
+            <a:endParaRPr lang="vi-VN"/>
+          </a:p>
+        </p:txBody>
+      </p:sp>
     </p:spTree>
     <p:extLst>
       <p:ext uri="{BB962C8B-B14F-4D97-AF65-F5344CB8AC3E}">
@@ -23434,7 +25763,384 @@
 </p:sld>
 </file>
 
-<file path=ppt/slides/slide3.xml><?xml version="1.0" encoding="utf-8"?>
+<file path=ppt/slides/slide31.xml><?xml version="1.0" encoding="utf-8"?>
+<p:sld xmlns:a="http://schemas.openxmlformats.org/drawingml/2006/main" xmlns:r="http://schemas.openxmlformats.org/officeDocument/2006/relationships" xmlns:p="http://schemas.openxmlformats.org/presentationml/2006/main">
+  <p:cSld>
+    <p:spTree>
+      <p:nvGrpSpPr>
+        <p:cNvPr id="1" name="Shape 285"/>
+        <p:cNvGrpSpPr/>
+        <p:nvPr/>
+      </p:nvGrpSpPr>
+      <p:grpSpPr>
+        <a:xfrm>
+          <a:off x="0" y="0"/>
+          <a:ext cx="0" cy="0"/>
+          <a:chOff x="0" y="0"/>
+          <a:chExt cx="0" cy="0"/>
+        </a:xfrm>
+      </p:grpSpPr>
+      <p:sp>
+        <p:nvSpPr>
+          <p:cNvPr id="287" name="Google Shape;287;p23"/>
+          <p:cNvSpPr txBox="1"/>
+          <p:nvPr/>
+        </p:nvSpPr>
+        <p:spPr>
+          <a:xfrm>
+            <a:off x="1299205" y="1282522"/>
+            <a:ext cx="6979556" cy="1474200"/>
+          </a:xfrm>
+          <a:prstGeom prst="rect">
+            <a:avLst/>
+          </a:prstGeom>
+          <a:noFill/>
+          <a:ln>
+            <a:noFill/>
+          </a:ln>
+        </p:spPr>
+        <p:txBody>
+          <a:bodyPr spcFirstLastPara="1" wrap="square" lIns="91425" tIns="91425" rIns="91425" bIns="91425" anchor="t" anchorCtr="0">
+            <a:noAutofit/>
+          </a:bodyPr>
+          <a:lstStyle/>
+          <a:p>
+            <a:pPr marL="0" lvl="0" indent="0" algn="l" rtl="0">
+              <a:spcBef>
+                <a:spcPts val="0"/>
+              </a:spcBef>
+              <a:spcAft>
+                <a:spcPts val="0"/>
+              </a:spcAft>
+              <a:buNone/>
+            </a:pPr>
+            <a:r>
+              <a:rPr lang="vi-VN" dirty="0">
+                <a:latin typeface="Oswald" panose="00000500000000000000" pitchFamily="2" charset="0"/>
+                <a:ea typeface="Roboto"/>
+                <a:cs typeface="Calibri" panose="020F0502020204030204" pitchFamily="34" charset="0"/>
+                <a:sym typeface="Roboto"/>
+              </a:rPr>
+              <a:t>https://www.tavi.co.uk/phobos/fat.html</a:t>
+            </a:r>
+            <a:endParaRPr lang="en-US" dirty="0">
+              <a:latin typeface="Oswald" panose="00000500000000000000" pitchFamily="2" charset="0"/>
+              <a:ea typeface="Roboto"/>
+              <a:cs typeface="Calibri" panose="020F0502020204030204" pitchFamily="34" charset="0"/>
+              <a:sym typeface="Roboto"/>
+            </a:endParaRPr>
+          </a:p>
+          <a:p>
+            <a:pPr marL="0" lvl="0" indent="0" algn="l" rtl="0">
+              <a:spcBef>
+                <a:spcPts val="0"/>
+              </a:spcBef>
+              <a:spcAft>
+                <a:spcPts val="0"/>
+              </a:spcAft>
+              <a:buNone/>
+            </a:pPr>
+            <a:endParaRPr lang="en-US" dirty="0">
+              <a:latin typeface="Oswald" panose="00000500000000000000" pitchFamily="2" charset="0"/>
+              <a:ea typeface="Roboto"/>
+              <a:cs typeface="Calibri" panose="020F0502020204030204" pitchFamily="34" charset="0"/>
+              <a:sym typeface="Roboto"/>
+            </a:endParaRPr>
+          </a:p>
+          <a:p>
+            <a:pPr marL="0" lvl="0" indent="0" algn="l" rtl="0">
+              <a:spcBef>
+                <a:spcPts val="0"/>
+              </a:spcBef>
+              <a:spcAft>
+                <a:spcPts val="0"/>
+              </a:spcAft>
+              <a:buNone/>
+            </a:pPr>
+            <a:r>
+              <a:rPr lang="en-US" dirty="0">
+                <a:latin typeface="Oswald" panose="00000500000000000000" pitchFamily="2" charset="0"/>
+                <a:ea typeface="Roboto"/>
+                <a:cs typeface="Calibri" panose="020F0502020204030204" pitchFamily="34" charset="0"/>
+                <a:sym typeface="Roboto"/>
+                <a:hlinkClick r:id="rId3"/>
+              </a:rPr>
+              <a:t>https://www.eit.lth.se/fileadmin/eit/courses/eitn50/Literature/fat12_description.pdf</a:t>
+            </a:r>
+            <a:endParaRPr lang="en-US" dirty="0">
+              <a:latin typeface="Oswald" panose="00000500000000000000" pitchFamily="2" charset="0"/>
+              <a:ea typeface="Roboto"/>
+              <a:cs typeface="Calibri" panose="020F0502020204030204" pitchFamily="34" charset="0"/>
+              <a:sym typeface="Roboto"/>
+            </a:endParaRPr>
+          </a:p>
+          <a:p>
+            <a:pPr marL="0" lvl="0" indent="0" algn="l" rtl="0">
+              <a:spcBef>
+                <a:spcPts val="0"/>
+              </a:spcBef>
+              <a:spcAft>
+                <a:spcPts val="0"/>
+              </a:spcAft>
+              <a:buNone/>
+            </a:pPr>
+            <a:endParaRPr lang="en-US" dirty="0">
+              <a:latin typeface="Oswald" panose="00000500000000000000" pitchFamily="2" charset="0"/>
+              <a:ea typeface="Roboto"/>
+              <a:cs typeface="Calibri" panose="020F0502020204030204" pitchFamily="34" charset="0"/>
+              <a:sym typeface="Roboto"/>
+            </a:endParaRPr>
+          </a:p>
+          <a:p>
+            <a:pPr marL="0" lvl="0" indent="0" algn="l" rtl="0">
+              <a:spcBef>
+                <a:spcPts val="0"/>
+              </a:spcBef>
+              <a:spcAft>
+                <a:spcPts val="0"/>
+              </a:spcAft>
+              <a:buNone/>
+            </a:pPr>
+            <a:r>
+              <a:rPr lang="en-US" dirty="0">
+                <a:latin typeface="Oswald" panose="00000500000000000000" pitchFamily="2" charset="0"/>
+                <a:ea typeface="Roboto"/>
+                <a:cs typeface="Calibri" panose="020F0502020204030204" pitchFamily="34" charset="0"/>
+                <a:sym typeface="Roboto"/>
+                <a:hlinkClick r:id="rId4"/>
+              </a:rPr>
+              <a:t>https://en.wikipedia.org/wiki/Design_of_the_FAT_file_system</a:t>
+            </a:r>
+            <a:endParaRPr lang="en-US" dirty="0">
+              <a:latin typeface="Oswald" panose="00000500000000000000" pitchFamily="2" charset="0"/>
+              <a:ea typeface="Roboto"/>
+              <a:cs typeface="Calibri" panose="020F0502020204030204" pitchFamily="34" charset="0"/>
+              <a:sym typeface="Roboto"/>
+            </a:endParaRPr>
+          </a:p>
+          <a:p>
+            <a:pPr marL="0" lvl="0" indent="0" algn="l" rtl="0">
+              <a:spcBef>
+                <a:spcPts val="0"/>
+              </a:spcBef>
+              <a:spcAft>
+                <a:spcPts val="0"/>
+              </a:spcAft>
+              <a:buNone/>
+            </a:pPr>
+            <a:endParaRPr dirty="0">
+              <a:latin typeface="Oswald" panose="00000500000000000000" pitchFamily="2" charset="0"/>
+              <a:ea typeface="Roboto"/>
+              <a:cs typeface="Calibri" panose="020F0502020204030204" pitchFamily="34" charset="0"/>
+              <a:sym typeface="Roboto"/>
+            </a:endParaRPr>
+          </a:p>
+        </p:txBody>
+      </p:sp>
+      <p:sp>
+        <p:nvSpPr>
+          <p:cNvPr id="290" name="Google Shape;290;p23"/>
+          <p:cNvSpPr txBox="1"/>
+          <p:nvPr/>
+        </p:nvSpPr>
+        <p:spPr>
+          <a:xfrm>
+            <a:off x="1299205" y="661000"/>
+            <a:ext cx="8484000" cy="523200"/>
+          </a:xfrm>
+          <a:prstGeom prst="rect">
+            <a:avLst/>
+          </a:prstGeom>
+          <a:noFill/>
+          <a:ln>
+            <a:noFill/>
+          </a:ln>
+        </p:spPr>
+        <p:txBody>
+          <a:bodyPr spcFirstLastPara="1" wrap="square" lIns="91425" tIns="45700" rIns="91425" bIns="45700" anchor="t" anchorCtr="0">
+            <a:noAutofit/>
+          </a:bodyPr>
+          <a:lstStyle/>
+          <a:p>
+            <a:pPr marL="0" marR="0" lvl="0" indent="0" algn="l" rtl="0">
+              <a:spcBef>
+                <a:spcPts val="0"/>
+              </a:spcBef>
+              <a:spcAft>
+                <a:spcPts val="0"/>
+              </a:spcAft>
+              <a:buNone/>
+            </a:pPr>
+            <a:r>
+              <a:rPr lang="en-US" sz="2400" b="1" dirty="0">
+                <a:solidFill>
+                  <a:srgbClr val="000000"/>
+                </a:solidFill>
+                <a:latin typeface="Oswald" panose="00000500000000000000" pitchFamily="2" charset="0"/>
+                <a:ea typeface="Roboto"/>
+                <a:cs typeface="Calibri" panose="020F0502020204030204" pitchFamily="34" charset="0"/>
+                <a:sym typeface="Roboto"/>
+              </a:rPr>
+              <a:t>REFERENCES</a:t>
+            </a:r>
+            <a:endParaRPr sz="2400" b="1" dirty="0">
+              <a:solidFill>
+                <a:srgbClr val="000000"/>
+              </a:solidFill>
+              <a:latin typeface="Oswald" panose="00000500000000000000" pitchFamily="2" charset="0"/>
+              <a:ea typeface="Roboto"/>
+              <a:cs typeface="Calibri" panose="020F0502020204030204" pitchFamily="34" charset="0"/>
+              <a:sym typeface="Roboto"/>
+            </a:endParaRPr>
+          </a:p>
+        </p:txBody>
+      </p:sp>
+      <p:sp>
+        <p:nvSpPr>
+          <p:cNvPr id="2" name="Slide Number Placeholder 1">
+            <a:extLst>
+              <a:ext uri="{FF2B5EF4-FFF2-40B4-BE49-F238E27FC236}">
+                <a16:creationId xmlns:a16="http://schemas.microsoft.com/office/drawing/2014/main" id="{31910D1A-257F-0DDA-79C7-3E0613073A44}"/>
+              </a:ext>
+            </a:extLst>
+          </p:cNvPr>
+          <p:cNvSpPr>
+            <a:spLocks noGrp="1"/>
+          </p:cNvSpPr>
+          <p:nvPr>
+            <p:ph type="sldNum" idx="12"/>
+          </p:nvPr>
+        </p:nvSpPr>
+        <p:spPr/>
+        <p:txBody>
+          <a:bodyPr/>
+          <a:lstStyle/>
+          <a:p>
+            <a:pPr marL="0" lvl="0" indent="0" algn="r" rtl="0">
+              <a:spcBef>
+                <a:spcPts val="0"/>
+              </a:spcBef>
+              <a:spcAft>
+                <a:spcPts val="0"/>
+              </a:spcAft>
+              <a:buNone/>
+            </a:pPr>
+            <a:fld id="{00000000-1234-1234-1234-123412341234}" type="slidenum">
+              <a:rPr lang="vi-VN" smtClean="0"/>
+              <a:t>31</a:t>
+            </a:fld>
+            <a:endParaRPr lang="vi-VN"/>
+          </a:p>
+        </p:txBody>
+      </p:sp>
+    </p:spTree>
+  </p:cSld>
+  <p:clrMapOvr>
+    <a:masterClrMapping/>
+  </p:clrMapOvr>
+  <p:transition spd="slow" advTm="19908">
+    <p:push dir="u"/>
+  </p:transition>
+</p:sld>
+</file>
+
+<file path=ppt/slides/slide32.xml><?xml version="1.0" encoding="utf-8"?>
+<p:sld xmlns:a="http://schemas.openxmlformats.org/drawingml/2006/main" xmlns:r="http://schemas.openxmlformats.org/officeDocument/2006/relationships" xmlns:p="http://schemas.openxmlformats.org/presentationml/2006/main">
+  <p:cSld>
+    <p:spTree>
+      <p:nvGrpSpPr>
+        <p:cNvPr id="1" name="Shape 294"/>
+        <p:cNvGrpSpPr/>
+        <p:nvPr/>
+      </p:nvGrpSpPr>
+      <p:grpSpPr>
+        <a:xfrm>
+          <a:off x="0" y="0"/>
+          <a:ext cx="0" cy="0"/>
+          <a:chOff x="0" y="0"/>
+          <a:chExt cx="0" cy="0"/>
+        </a:xfrm>
+      </p:grpSpPr>
+      <p:sp>
+        <p:nvSpPr>
+          <p:cNvPr id="306" name="Google Shape;306;p24"/>
+          <p:cNvSpPr txBox="1"/>
+          <p:nvPr/>
+        </p:nvSpPr>
+        <p:spPr>
+          <a:xfrm>
+            <a:off x="1459998" y="2921168"/>
+            <a:ext cx="5855202" cy="1015663"/>
+          </a:xfrm>
+          <a:prstGeom prst="rect">
+            <a:avLst/>
+          </a:prstGeom>
+          <a:noFill/>
+          <a:ln>
+            <a:noFill/>
+          </a:ln>
+        </p:spPr>
+        <p:txBody>
+          <a:bodyPr spcFirstLastPara="1" wrap="square" lIns="91425" tIns="45700" rIns="91425" bIns="45700" anchor="t" anchorCtr="0">
+            <a:noAutofit/>
+          </a:bodyPr>
+          <a:lstStyle/>
+          <a:p>
+            <a:pPr marL="0" marR="0" lvl="0" indent="0" algn="ctr" rtl="0">
+              <a:spcBef>
+                <a:spcPts val="0"/>
+              </a:spcBef>
+              <a:spcAft>
+                <a:spcPts val="0"/>
+              </a:spcAft>
+              <a:buNone/>
+            </a:pPr>
+            <a:r>
+              <a:rPr lang="en-US" sz="4400" b="1" dirty="0">
+                <a:solidFill>
+                  <a:schemeClr val="accent6"/>
+                </a:solidFill>
+                <a:latin typeface="Oswald" panose="00000500000000000000" pitchFamily="2" charset="0"/>
+                <a:ea typeface="Roboto"/>
+                <a:cs typeface="Calibri" panose="020F0502020204030204" pitchFamily="34" charset="0"/>
+                <a:sym typeface="Roboto"/>
+              </a:rPr>
+              <a:t>THANK FOR WATCHING</a:t>
+            </a:r>
+            <a:r>
+              <a:rPr lang="vi-VN" sz="4400" b="1" dirty="0">
+                <a:solidFill>
+                  <a:schemeClr val="accent6"/>
+                </a:solidFill>
+                <a:latin typeface="Oswald" panose="00000500000000000000" pitchFamily="2" charset="0"/>
+                <a:ea typeface="Roboto"/>
+                <a:cs typeface="Calibri" panose="020F0502020204030204" pitchFamily="34" charset="0"/>
+                <a:sym typeface="Roboto"/>
+              </a:rPr>
+              <a:t>!</a:t>
+            </a:r>
+            <a:endParaRPr sz="4400" dirty="0">
+              <a:solidFill>
+                <a:schemeClr val="accent6"/>
+              </a:solidFill>
+              <a:latin typeface="Oswald" panose="00000500000000000000" pitchFamily="2" charset="0"/>
+              <a:cs typeface="Calibri" panose="020F0502020204030204" pitchFamily="34" charset="0"/>
+            </a:endParaRPr>
+          </a:p>
+        </p:txBody>
+      </p:sp>
+    </p:spTree>
+  </p:cSld>
+  <p:clrMapOvr>
+    <a:masterClrMapping/>
+  </p:clrMapOvr>
+  <p:transition spd="slow" advTm="11456">
+    <p:push dir="u"/>
+  </p:transition>
+</p:sld>
+</file>
+
+<file path=ppt/slides/slide4.xml><?xml version="1.0" encoding="utf-8"?>
 <p:sld xmlns:a="http://schemas.openxmlformats.org/drawingml/2006/main" xmlns:r="http://schemas.openxmlformats.org/officeDocument/2006/relationships" xmlns:p="http://schemas.openxmlformats.org/presentationml/2006/main">
   <p:cSld>
     <p:bg>
@@ -23626,6 +26332,21 @@
             </a:r>
           </a:p>
           <a:p>
+            <a:pPr marL="457200" indent="-457200">
+              <a:lnSpc>
+                <a:spcPct val="150000"/>
+              </a:lnSpc>
+              <a:buFont typeface="+mj-lt"/>
+              <a:buAutoNum type="arabicPeriod"/>
+            </a:pPr>
+            <a:r>
+              <a:rPr lang="en-US" sz="2000" b="1" dirty="0">
+                <a:latin typeface="Oswald" panose="00000500000000000000" pitchFamily="2" charset="0"/>
+              </a:rPr>
+              <a:t>IMPLEMENT</a:t>
+            </a:r>
+          </a:p>
+          <a:p>
             <a:pPr>
               <a:lnSpc>
                 <a:spcPct val="150000"/>
@@ -23634,6 +26355,44 @@
             <a:endParaRPr lang="en-US" sz="2000" dirty="0">
               <a:latin typeface="Oswald" panose="00000500000000000000" pitchFamily="2" charset="0"/>
             </a:endParaRPr>
+          </a:p>
+        </p:txBody>
+      </p:sp>
+      <p:sp>
+        <p:nvSpPr>
+          <p:cNvPr id="3" name="Slide Number Placeholder 2">
+            <a:extLst>
+              <a:ext uri="{FF2B5EF4-FFF2-40B4-BE49-F238E27FC236}">
+                <a16:creationId xmlns:a16="http://schemas.microsoft.com/office/drawing/2014/main" id="{46EE47EC-4232-3780-930E-E04502C75A6E}"/>
+              </a:ext>
+            </a:extLst>
+          </p:cNvPr>
+          <p:cNvSpPr>
+            <a:spLocks noGrp="1"/>
+          </p:cNvSpPr>
+          <p:nvPr>
+            <p:ph type="sldNum" idx="12"/>
+          </p:nvPr>
+        </p:nvSpPr>
+        <p:spPr/>
+        <p:txBody>
+          <a:bodyPr/>
+          <a:lstStyle/>
+          <a:p>
+            <a:pPr marL="0" lvl="0" indent="0" algn="r" rtl="0">
+              <a:spcBef>
+                <a:spcPts val="0"/>
+              </a:spcBef>
+              <a:spcAft>
+                <a:spcPts val="0"/>
+              </a:spcAft>
+              <a:buNone/>
+            </a:pPr>
+            <a:fld id="{00000000-1234-1234-1234-123412341234}" type="slidenum">
+              <a:rPr lang="vi-VN" smtClean="0"/>
+              <a:t>4</a:t>
+            </a:fld>
+            <a:endParaRPr lang="vi-VN" dirty="0"/>
           </a:p>
         </p:txBody>
       </p:sp>
@@ -23647,357 +26406,18 @@
   <p:clrMapOvr>
     <a:masterClrMapping/>
   </p:clrMapOvr>
-  <mc:AlternateContent xmlns:mc="http://schemas.openxmlformats.org/markup-compatibility/2006">
-    <mc:Choice xmlns:p14="http://schemas.microsoft.com/office/powerpoint/2010/main" Requires="p14">
+  <mc:AlternateContent xmlns:mc="http://schemas.openxmlformats.org/markup-compatibility/2006" xmlns:p14="http://schemas.microsoft.com/office/powerpoint/2010/main">
+    <mc:Choice Requires="p14">
       <p:transition spd="slow" p14:dur="2000" advTm="14893"/>
     </mc:Choice>
-    <mc:Fallback>
+    <mc:Fallback xmlns="">
       <p:transition spd="slow" advTm="14893"/>
     </mc:Fallback>
   </mc:AlternateContent>
 </p:sld>
 </file>
 
-<file path=ppt/slides/slide30.xml><?xml version="1.0" encoding="utf-8"?>
-<p:sld xmlns:a="http://schemas.openxmlformats.org/drawingml/2006/main" xmlns:r="http://schemas.openxmlformats.org/officeDocument/2006/relationships" xmlns:p="http://schemas.openxmlformats.org/presentationml/2006/main">
-  <p:cSld>
-    <p:spTree>
-      <p:nvGrpSpPr>
-        <p:cNvPr id="1" name="Shape 285"/>
-        <p:cNvGrpSpPr/>
-        <p:nvPr/>
-      </p:nvGrpSpPr>
-      <p:grpSpPr>
-        <a:xfrm>
-          <a:off x="0" y="0"/>
-          <a:ext cx="0" cy="0"/>
-          <a:chOff x="0" y="0"/>
-          <a:chExt cx="0" cy="0"/>
-        </a:xfrm>
-      </p:grpSpPr>
-      <p:sp>
-        <p:nvSpPr>
-          <p:cNvPr id="287" name="Google Shape;287;p23"/>
-          <p:cNvSpPr txBox="1"/>
-          <p:nvPr/>
-        </p:nvSpPr>
-        <p:spPr>
-          <a:xfrm>
-            <a:off x="1299205" y="1282522"/>
-            <a:ext cx="6979556" cy="1474200"/>
-          </a:xfrm>
-          <a:prstGeom prst="rect">
-            <a:avLst/>
-          </a:prstGeom>
-          <a:noFill/>
-          <a:ln>
-            <a:noFill/>
-          </a:ln>
-        </p:spPr>
-        <p:txBody>
-          <a:bodyPr spcFirstLastPara="1" wrap="square" lIns="91425" tIns="91425" rIns="91425" bIns="91425" anchor="t" anchorCtr="0">
-            <a:noAutofit/>
-          </a:bodyPr>
-          <a:lstStyle/>
-          <a:p>
-            <a:pPr marL="0" lvl="0" indent="0" algn="l" rtl="0">
-              <a:spcBef>
-                <a:spcPts val="0"/>
-              </a:spcBef>
-              <a:spcAft>
-                <a:spcPts val="0"/>
-              </a:spcAft>
-              <a:buNone/>
-            </a:pPr>
-            <a:r>
-              <a:rPr lang="vi-VN" dirty="0">
-                <a:latin typeface="Oswald" panose="00000500000000000000" pitchFamily="2" charset="0"/>
-                <a:ea typeface="Roboto"/>
-                <a:cs typeface="Calibri" panose="020F0502020204030204" pitchFamily="34" charset="0"/>
-                <a:sym typeface="Roboto"/>
-              </a:rPr>
-              <a:t>https://www.tavi.co.uk/phobos/fat.html</a:t>
-            </a:r>
-            <a:endParaRPr lang="en-US" dirty="0">
-              <a:latin typeface="Oswald" panose="00000500000000000000" pitchFamily="2" charset="0"/>
-              <a:ea typeface="Roboto"/>
-              <a:cs typeface="Calibri" panose="020F0502020204030204" pitchFamily="34" charset="0"/>
-              <a:sym typeface="Roboto"/>
-            </a:endParaRPr>
-          </a:p>
-          <a:p>
-            <a:pPr marL="0" lvl="0" indent="0" algn="l" rtl="0">
-              <a:spcBef>
-                <a:spcPts val="0"/>
-              </a:spcBef>
-              <a:spcAft>
-                <a:spcPts val="0"/>
-              </a:spcAft>
-              <a:buNone/>
-            </a:pPr>
-            <a:endParaRPr lang="en-US" dirty="0">
-              <a:latin typeface="Oswald" panose="00000500000000000000" pitchFamily="2" charset="0"/>
-              <a:ea typeface="Roboto"/>
-              <a:cs typeface="Calibri" panose="020F0502020204030204" pitchFamily="34" charset="0"/>
-              <a:sym typeface="Roboto"/>
-            </a:endParaRPr>
-          </a:p>
-          <a:p>
-            <a:pPr marL="0" lvl="0" indent="0" algn="l" rtl="0">
-              <a:spcBef>
-                <a:spcPts val="0"/>
-              </a:spcBef>
-              <a:spcAft>
-                <a:spcPts val="0"/>
-              </a:spcAft>
-              <a:buNone/>
-            </a:pPr>
-            <a:r>
-              <a:rPr lang="en-US" dirty="0">
-                <a:latin typeface="Oswald" panose="00000500000000000000" pitchFamily="2" charset="0"/>
-                <a:ea typeface="Roboto"/>
-                <a:cs typeface="Calibri" panose="020F0502020204030204" pitchFamily="34" charset="0"/>
-                <a:sym typeface="Roboto"/>
-                <a:hlinkClick r:id="rId3"/>
-              </a:rPr>
-              <a:t>https://www.eit.lth.se/fileadmin/eit/courses/eitn50/Literature/fat12_description.pdf</a:t>
-            </a:r>
-            <a:endParaRPr lang="en-US" dirty="0">
-              <a:latin typeface="Oswald" panose="00000500000000000000" pitchFamily="2" charset="0"/>
-              <a:ea typeface="Roboto"/>
-              <a:cs typeface="Calibri" panose="020F0502020204030204" pitchFamily="34" charset="0"/>
-              <a:sym typeface="Roboto"/>
-            </a:endParaRPr>
-          </a:p>
-          <a:p>
-            <a:pPr marL="0" lvl="0" indent="0" algn="l" rtl="0">
-              <a:spcBef>
-                <a:spcPts val="0"/>
-              </a:spcBef>
-              <a:spcAft>
-                <a:spcPts val="0"/>
-              </a:spcAft>
-              <a:buNone/>
-            </a:pPr>
-            <a:endParaRPr lang="en-US" dirty="0">
-              <a:latin typeface="Oswald" panose="00000500000000000000" pitchFamily="2" charset="0"/>
-              <a:ea typeface="Roboto"/>
-              <a:cs typeface="Calibri" panose="020F0502020204030204" pitchFamily="34" charset="0"/>
-              <a:sym typeface="Roboto"/>
-            </a:endParaRPr>
-          </a:p>
-          <a:p>
-            <a:pPr marL="0" lvl="0" indent="0" algn="l" rtl="0">
-              <a:spcBef>
-                <a:spcPts val="0"/>
-              </a:spcBef>
-              <a:spcAft>
-                <a:spcPts val="0"/>
-              </a:spcAft>
-              <a:buNone/>
-            </a:pPr>
-            <a:r>
-              <a:rPr lang="en-US" dirty="0">
-                <a:latin typeface="Oswald" panose="00000500000000000000" pitchFamily="2" charset="0"/>
-                <a:ea typeface="Roboto"/>
-                <a:cs typeface="Calibri" panose="020F0502020204030204" pitchFamily="34" charset="0"/>
-                <a:sym typeface="Roboto"/>
-                <a:hlinkClick r:id="rId4"/>
-              </a:rPr>
-              <a:t>https://en.wikipedia.org/wiki/Design_of_the_FAT_file_system</a:t>
-            </a:r>
-            <a:endParaRPr lang="en-US" dirty="0">
-              <a:latin typeface="Oswald" panose="00000500000000000000" pitchFamily="2" charset="0"/>
-              <a:ea typeface="Roboto"/>
-              <a:cs typeface="Calibri" panose="020F0502020204030204" pitchFamily="34" charset="0"/>
-              <a:sym typeface="Roboto"/>
-            </a:endParaRPr>
-          </a:p>
-          <a:p>
-            <a:pPr marL="0" lvl="0" indent="0" algn="l" rtl="0">
-              <a:spcBef>
-                <a:spcPts val="0"/>
-              </a:spcBef>
-              <a:spcAft>
-                <a:spcPts val="0"/>
-              </a:spcAft>
-              <a:buNone/>
-            </a:pPr>
-            <a:endParaRPr dirty="0">
-              <a:latin typeface="Oswald" panose="00000500000000000000" pitchFamily="2" charset="0"/>
-              <a:ea typeface="Roboto"/>
-              <a:cs typeface="Calibri" panose="020F0502020204030204" pitchFamily="34" charset="0"/>
-              <a:sym typeface="Roboto"/>
-            </a:endParaRPr>
-          </a:p>
-        </p:txBody>
-      </p:sp>
-      <p:sp>
-        <p:nvSpPr>
-          <p:cNvPr id="290" name="Google Shape;290;p23"/>
-          <p:cNvSpPr txBox="1"/>
-          <p:nvPr/>
-        </p:nvSpPr>
-        <p:spPr>
-          <a:xfrm>
-            <a:off x="1299205" y="661000"/>
-            <a:ext cx="8484000" cy="523200"/>
-          </a:xfrm>
-          <a:prstGeom prst="rect">
-            <a:avLst/>
-          </a:prstGeom>
-          <a:noFill/>
-          <a:ln>
-            <a:noFill/>
-          </a:ln>
-        </p:spPr>
-        <p:txBody>
-          <a:bodyPr spcFirstLastPara="1" wrap="square" lIns="91425" tIns="45700" rIns="91425" bIns="45700" anchor="t" anchorCtr="0">
-            <a:noAutofit/>
-          </a:bodyPr>
-          <a:lstStyle/>
-          <a:p>
-            <a:pPr marL="0" marR="0" lvl="0" indent="0" algn="l" rtl="0">
-              <a:spcBef>
-                <a:spcPts val="0"/>
-              </a:spcBef>
-              <a:spcAft>
-                <a:spcPts val="0"/>
-              </a:spcAft>
-              <a:buNone/>
-            </a:pPr>
-            <a:r>
-              <a:rPr lang="en-US" sz="2400" b="1" dirty="0">
-                <a:solidFill>
-                  <a:srgbClr val="000000"/>
-                </a:solidFill>
-                <a:latin typeface="Oswald" panose="00000500000000000000" pitchFamily="2" charset="0"/>
-                <a:ea typeface="Roboto"/>
-                <a:cs typeface="Calibri" panose="020F0502020204030204" pitchFamily="34" charset="0"/>
-                <a:sym typeface="Roboto"/>
-              </a:rPr>
-              <a:t>REFERENCES</a:t>
-            </a:r>
-            <a:endParaRPr sz="2400" b="1" dirty="0">
-              <a:solidFill>
-                <a:srgbClr val="000000"/>
-              </a:solidFill>
-              <a:latin typeface="Oswald" panose="00000500000000000000" pitchFamily="2" charset="0"/>
-              <a:ea typeface="Roboto"/>
-              <a:cs typeface="Calibri" panose="020F0502020204030204" pitchFamily="34" charset="0"/>
-              <a:sym typeface="Roboto"/>
-            </a:endParaRPr>
-          </a:p>
-        </p:txBody>
-      </p:sp>
-    </p:spTree>
-  </p:cSld>
-  <p:clrMapOvr>
-    <a:masterClrMapping/>
-  </p:clrMapOvr>
-  <p:transition spd="slow" advTm="19908">
-    <p:push dir="u"/>
-  </p:transition>
-</p:sld>
-</file>
-
-<file path=ppt/slides/slide31.xml><?xml version="1.0" encoding="utf-8"?>
-<p:sld xmlns:a="http://schemas.openxmlformats.org/drawingml/2006/main" xmlns:r="http://schemas.openxmlformats.org/officeDocument/2006/relationships" xmlns:p="http://schemas.openxmlformats.org/presentationml/2006/main">
-  <p:cSld>
-    <p:spTree>
-      <p:nvGrpSpPr>
-        <p:cNvPr id="1" name="Shape 294"/>
-        <p:cNvGrpSpPr/>
-        <p:nvPr/>
-      </p:nvGrpSpPr>
-      <p:grpSpPr>
-        <a:xfrm>
-          <a:off x="0" y="0"/>
-          <a:ext cx="0" cy="0"/>
-          <a:chOff x="0" y="0"/>
-          <a:chExt cx="0" cy="0"/>
-        </a:xfrm>
-      </p:grpSpPr>
-      <p:sp>
-        <p:nvSpPr>
-          <p:cNvPr id="306" name="Google Shape;306;p24"/>
-          <p:cNvSpPr txBox="1"/>
-          <p:nvPr/>
-        </p:nvSpPr>
-        <p:spPr>
-          <a:xfrm>
-            <a:off x="1459998" y="2921168"/>
-            <a:ext cx="5855202" cy="1015663"/>
-          </a:xfrm>
-          <a:prstGeom prst="rect">
-            <a:avLst/>
-          </a:prstGeom>
-          <a:noFill/>
-          <a:ln>
-            <a:noFill/>
-          </a:ln>
-        </p:spPr>
-        <p:txBody>
-          <a:bodyPr spcFirstLastPara="1" wrap="square" lIns="91425" tIns="45700" rIns="91425" bIns="45700" anchor="t" anchorCtr="0">
-            <a:noAutofit/>
-          </a:bodyPr>
-          <a:lstStyle/>
-          <a:p>
-            <a:pPr marL="0" marR="0" lvl="0" indent="0" algn="ctr" rtl="0">
-              <a:spcBef>
-                <a:spcPts val="0"/>
-              </a:spcBef>
-              <a:spcAft>
-                <a:spcPts val="0"/>
-              </a:spcAft>
-              <a:buNone/>
-            </a:pPr>
-            <a:r>
-              <a:rPr lang="en-US" sz="4400" b="1" dirty="0">
-                <a:solidFill>
-                  <a:schemeClr val="accent6"/>
-                </a:solidFill>
-                <a:latin typeface="Oswald" panose="00000500000000000000" pitchFamily="2" charset="0"/>
-                <a:ea typeface="Roboto"/>
-                <a:cs typeface="Calibri" panose="020F0502020204030204" pitchFamily="34" charset="0"/>
-                <a:sym typeface="Roboto"/>
-              </a:rPr>
-              <a:t>THANK FOR WATCHING</a:t>
-            </a:r>
-            <a:r>
-              <a:rPr lang="vi-VN" sz="4400" b="1" dirty="0">
-                <a:solidFill>
-                  <a:schemeClr val="accent6"/>
-                </a:solidFill>
-                <a:latin typeface="Oswald" panose="00000500000000000000" pitchFamily="2" charset="0"/>
-                <a:ea typeface="Roboto"/>
-                <a:cs typeface="Calibri" panose="020F0502020204030204" pitchFamily="34" charset="0"/>
-                <a:sym typeface="Roboto"/>
-              </a:rPr>
-              <a:t>!</a:t>
-            </a:r>
-            <a:endParaRPr sz="4400" dirty="0">
-              <a:solidFill>
-                <a:schemeClr val="accent6"/>
-              </a:solidFill>
-              <a:latin typeface="Oswald" panose="00000500000000000000" pitchFamily="2" charset="0"/>
-              <a:cs typeface="Calibri" panose="020F0502020204030204" pitchFamily="34" charset="0"/>
-            </a:endParaRPr>
-          </a:p>
-        </p:txBody>
-      </p:sp>
-    </p:spTree>
-  </p:cSld>
-  <p:clrMapOvr>
-    <a:masterClrMapping/>
-  </p:clrMapOvr>
-  <p:transition spd="slow" advTm="11456">
-    <p:push dir="u"/>
-  </p:transition>
-</p:sld>
-</file>
-
-<file path=ppt/slides/slide4.xml><?xml version="1.0" encoding="utf-8"?>
+<file path=ppt/slides/slide5.xml><?xml version="1.0" encoding="utf-8"?>
 <p:sld xmlns:a="http://schemas.openxmlformats.org/drawingml/2006/main" xmlns:r="http://schemas.openxmlformats.org/officeDocument/2006/relationships" xmlns:p="http://schemas.openxmlformats.org/presentationml/2006/main">
   <p:cSld>
     <p:bg>
@@ -24165,6 +26585,44 @@
           </a:p>
         </p:txBody>
       </p:sp>
+      <p:sp>
+        <p:nvSpPr>
+          <p:cNvPr id="3" name="Slide Number Placeholder 2">
+            <a:extLst>
+              <a:ext uri="{FF2B5EF4-FFF2-40B4-BE49-F238E27FC236}">
+                <a16:creationId xmlns:a16="http://schemas.microsoft.com/office/drawing/2014/main" id="{05A6C57A-BDA4-CFE4-C4D1-3AC6B26C290E}"/>
+              </a:ext>
+            </a:extLst>
+          </p:cNvPr>
+          <p:cNvSpPr>
+            <a:spLocks noGrp="1"/>
+          </p:cNvSpPr>
+          <p:nvPr>
+            <p:ph type="sldNum" idx="12"/>
+          </p:nvPr>
+        </p:nvSpPr>
+        <p:spPr/>
+        <p:txBody>
+          <a:bodyPr/>
+          <a:lstStyle/>
+          <a:p>
+            <a:pPr marL="0" lvl="0" indent="0" algn="r" rtl="0">
+              <a:spcBef>
+                <a:spcPts val="0"/>
+              </a:spcBef>
+              <a:spcAft>
+                <a:spcPts val="0"/>
+              </a:spcAft>
+              <a:buNone/>
+            </a:pPr>
+            <a:fld id="{00000000-1234-1234-1234-123412341234}" type="slidenum">
+              <a:rPr lang="vi-VN" smtClean="0"/>
+              <a:t>5</a:t>
+            </a:fld>
+            <a:endParaRPr lang="vi-VN"/>
+          </a:p>
+        </p:txBody>
+      </p:sp>
     </p:spTree>
   </p:cSld>
   <p:clrMapOvr>
@@ -24181,7 +26639,7 @@
 </p:sld>
 </file>
 
-<file path=ppt/slides/slide5.xml><?xml version="1.0" encoding="utf-8"?>
+<file path=ppt/slides/slide6.xml><?xml version="1.0" encoding="utf-8"?>
 <p:sld xmlns:a="http://schemas.openxmlformats.org/drawingml/2006/main" xmlns:r="http://schemas.openxmlformats.org/officeDocument/2006/relationships" xmlns:p="http://schemas.openxmlformats.org/presentationml/2006/main">
   <p:cSld>
     <p:bg>
@@ -24383,6 +26841,44 @@
           </a:p>
         </p:txBody>
       </p:sp>
+      <p:sp>
+        <p:nvSpPr>
+          <p:cNvPr id="3" name="Slide Number Placeholder 2">
+            <a:extLst>
+              <a:ext uri="{FF2B5EF4-FFF2-40B4-BE49-F238E27FC236}">
+                <a16:creationId xmlns:a16="http://schemas.microsoft.com/office/drawing/2014/main" id="{A1E2EB81-8E60-8D94-870C-7D4DE6B4D23E}"/>
+              </a:ext>
+            </a:extLst>
+          </p:cNvPr>
+          <p:cNvSpPr>
+            <a:spLocks noGrp="1"/>
+          </p:cNvSpPr>
+          <p:nvPr>
+            <p:ph type="sldNum" idx="12"/>
+          </p:nvPr>
+        </p:nvSpPr>
+        <p:spPr/>
+        <p:txBody>
+          <a:bodyPr/>
+          <a:lstStyle/>
+          <a:p>
+            <a:pPr marL="0" lvl="0" indent="0" algn="r" rtl="0">
+              <a:spcBef>
+                <a:spcPts val="0"/>
+              </a:spcBef>
+              <a:spcAft>
+                <a:spcPts val="0"/>
+              </a:spcAft>
+              <a:buNone/>
+            </a:pPr>
+            <a:fld id="{00000000-1234-1234-1234-123412341234}" type="slidenum">
+              <a:rPr lang="vi-VN" smtClean="0"/>
+              <a:t>6</a:t>
+            </a:fld>
+            <a:endParaRPr lang="vi-VN"/>
+          </a:p>
+        </p:txBody>
+      </p:sp>
     </p:spTree>
     <p:extLst>
       <p:ext uri="{BB962C8B-B14F-4D97-AF65-F5344CB8AC3E}">
@@ -24404,7 +26900,7 @@
 </p:sld>
 </file>
 
-<file path=ppt/slides/slide6.xml><?xml version="1.0" encoding="utf-8"?>
+<file path=ppt/slides/slide7.xml><?xml version="1.0" encoding="utf-8"?>
 <p:sld xmlns:a="http://schemas.openxmlformats.org/drawingml/2006/main" xmlns:r="http://schemas.openxmlformats.org/officeDocument/2006/relationships" xmlns:p="http://schemas.openxmlformats.org/presentationml/2006/main">
   <p:cSld>
     <p:spTree>
@@ -27721,6 +30217,44 @@
           </a:p>
         </p:txBody>
       </p:sp>
+      <p:sp>
+        <p:nvSpPr>
+          <p:cNvPr id="2" name="Slide Number Placeholder 1">
+            <a:extLst>
+              <a:ext uri="{FF2B5EF4-FFF2-40B4-BE49-F238E27FC236}">
+                <a16:creationId xmlns:a16="http://schemas.microsoft.com/office/drawing/2014/main" id="{1F73CDE6-5A31-CF3A-3A81-F1791DAA1E68}"/>
+              </a:ext>
+            </a:extLst>
+          </p:cNvPr>
+          <p:cNvSpPr>
+            <a:spLocks noGrp="1"/>
+          </p:cNvSpPr>
+          <p:nvPr>
+            <p:ph type="sldNum" idx="12"/>
+          </p:nvPr>
+        </p:nvSpPr>
+        <p:spPr/>
+        <p:txBody>
+          <a:bodyPr/>
+          <a:lstStyle/>
+          <a:p>
+            <a:pPr marL="0" lvl="0" indent="0" algn="r" rtl="0">
+              <a:spcBef>
+                <a:spcPts val="0"/>
+              </a:spcBef>
+              <a:spcAft>
+                <a:spcPts val="0"/>
+              </a:spcAft>
+              <a:buNone/>
+            </a:pPr>
+            <a:fld id="{00000000-1234-1234-1234-123412341234}" type="slidenum">
+              <a:rPr lang="vi-VN" smtClean="0"/>
+              <a:t>7</a:t>
+            </a:fld>
+            <a:endParaRPr lang="vi-VN"/>
+          </a:p>
+        </p:txBody>
+      </p:sp>
     </p:spTree>
     <p:extLst>
       <p:ext uri="{BB962C8B-B14F-4D97-AF65-F5344CB8AC3E}">
@@ -27737,7 +30271,7 @@
 </p:sld>
 </file>
 
-<file path=ppt/slides/slide7.xml><?xml version="1.0" encoding="utf-8"?>
+<file path=ppt/slides/slide8.xml><?xml version="1.0" encoding="utf-8"?>
 <p:sld xmlns:a="http://schemas.openxmlformats.org/drawingml/2006/main" xmlns:r="http://schemas.openxmlformats.org/officeDocument/2006/relationships" xmlns:p="http://schemas.openxmlformats.org/presentationml/2006/main">
   <p:cSld>
     <p:spTree>
@@ -27885,6 +30419,44 @@
           </a:p>
         </p:txBody>
       </p:sp>
+      <p:sp>
+        <p:nvSpPr>
+          <p:cNvPr id="4" name="Slide Number Placeholder 3">
+            <a:extLst>
+              <a:ext uri="{FF2B5EF4-FFF2-40B4-BE49-F238E27FC236}">
+                <a16:creationId xmlns:a16="http://schemas.microsoft.com/office/drawing/2014/main" id="{92406479-5C5C-E669-D710-E3EB8778A039}"/>
+              </a:ext>
+            </a:extLst>
+          </p:cNvPr>
+          <p:cNvSpPr>
+            <a:spLocks noGrp="1"/>
+          </p:cNvSpPr>
+          <p:nvPr>
+            <p:ph type="sldNum" idx="12"/>
+          </p:nvPr>
+        </p:nvSpPr>
+        <p:spPr/>
+        <p:txBody>
+          <a:bodyPr/>
+          <a:lstStyle/>
+          <a:p>
+            <a:pPr marL="0" lvl="0" indent="0" algn="r" rtl="0">
+              <a:spcBef>
+                <a:spcPts val="0"/>
+              </a:spcBef>
+              <a:spcAft>
+                <a:spcPts val="0"/>
+              </a:spcAft>
+              <a:buNone/>
+            </a:pPr>
+            <a:fld id="{00000000-1234-1234-1234-123412341234}" type="slidenum">
+              <a:rPr lang="vi-VN" smtClean="0"/>
+              <a:t>8</a:t>
+            </a:fld>
+            <a:endParaRPr lang="vi-VN"/>
+          </a:p>
+        </p:txBody>
+      </p:sp>
     </p:spTree>
     <p:extLst>
       <p:ext uri="{BB962C8B-B14F-4D97-AF65-F5344CB8AC3E}">
@@ -27901,7 +30473,7 @@
 </p:sld>
 </file>
 
-<file path=ppt/slides/slide8.xml><?xml version="1.0" encoding="utf-8"?>
+<file path=ppt/slides/slide9.xml><?xml version="1.0" encoding="utf-8"?>
 <p:sld xmlns:a="http://schemas.openxmlformats.org/drawingml/2006/main" xmlns:r="http://schemas.openxmlformats.org/officeDocument/2006/relationships" xmlns:p="http://schemas.openxmlformats.org/presentationml/2006/main">
   <p:cSld>
     <p:spTree>
@@ -28435,523 +31007,48 @@
           </a:graphicData>
         </a:graphic>
       </p:graphicFrame>
+      <p:sp>
+        <p:nvSpPr>
+          <p:cNvPr id="2" name="Slide Number Placeholder 1">
+            <a:extLst>
+              <a:ext uri="{FF2B5EF4-FFF2-40B4-BE49-F238E27FC236}">
+                <a16:creationId xmlns:a16="http://schemas.microsoft.com/office/drawing/2014/main" id="{6BC57067-9CAC-1750-E7DF-FEBD84A81633}"/>
+              </a:ext>
+            </a:extLst>
+          </p:cNvPr>
+          <p:cNvSpPr>
+            <a:spLocks noGrp="1"/>
+          </p:cNvSpPr>
+          <p:nvPr>
+            <p:ph type="sldNum" idx="12"/>
+          </p:nvPr>
+        </p:nvSpPr>
+        <p:spPr/>
+        <p:txBody>
+          <a:bodyPr/>
+          <a:lstStyle/>
+          <a:p>
+            <a:pPr marL="0" lvl="0" indent="0" algn="r" rtl="0">
+              <a:spcBef>
+                <a:spcPts val="0"/>
+              </a:spcBef>
+              <a:spcAft>
+                <a:spcPts val="0"/>
+              </a:spcAft>
+              <a:buNone/>
+            </a:pPr>
+            <a:fld id="{00000000-1234-1234-1234-123412341234}" type="slidenum">
+              <a:rPr lang="vi-VN" smtClean="0"/>
+              <a:t>9</a:t>
+            </a:fld>
+            <a:endParaRPr lang="vi-VN"/>
+          </a:p>
+        </p:txBody>
+      </p:sp>
     </p:spTree>
     <p:extLst>
       <p:ext uri="{BB962C8B-B14F-4D97-AF65-F5344CB8AC3E}">
         <p14:creationId xmlns:p14="http://schemas.microsoft.com/office/powerpoint/2010/main" val="4027105422"/>
-      </p:ext>
-    </p:extLst>
-  </p:cSld>
-  <p:clrMapOvr>
-    <a:masterClrMapping/>
-  </p:clrMapOvr>
-  <p:transition spd="slow" advTm="7022">
-    <p:push dir="u"/>
-  </p:transition>
-</p:sld>
-</file>
-
-<file path=ppt/slides/slide9.xml><?xml version="1.0" encoding="utf-8"?>
-<p:sld xmlns:a="http://schemas.openxmlformats.org/drawingml/2006/main" xmlns:r="http://schemas.openxmlformats.org/officeDocument/2006/relationships" xmlns:p="http://schemas.openxmlformats.org/presentationml/2006/main">
-  <p:cSld>
-    <p:spTree>
-      <p:nvGrpSpPr>
-        <p:cNvPr id="1" name="Shape 97"/>
-        <p:cNvGrpSpPr/>
-        <p:nvPr/>
-      </p:nvGrpSpPr>
-      <p:grpSpPr>
-        <a:xfrm>
-          <a:off x="0" y="0"/>
-          <a:ext cx="0" cy="0"/>
-          <a:chOff x="0" y="0"/>
-          <a:chExt cx="0" cy="0"/>
-        </a:xfrm>
-      </p:grpSpPr>
-      <p:graphicFrame>
-        <p:nvGraphicFramePr>
-          <p:cNvPr id="5" name="Table 4">
-            <a:extLst>
-              <a:ext uri="{FF2B5EF4-FFF2-40B4-BE49-F238E27FC236}">
-                <a16:creationId xmlns:a16="http://schemas.microsoft.com/office/drawing/2014/main" id="{CEC0511E-D3A1-67A6-01D4-1BF5797AC50D}"/>
-              </a:ext>
-            </a:extLst>
-          </p:cNvPr>
-          <p:cNvGraphicFramePr>
-            <a:graphicFrameLocks noGrp="1"/>
-          </p:cNvGraphicFramePr>
-          <p:nvPr>
-            <p:extLst>
-              <p:ext uri="{D42A27DB-BD31-4B8C-83A1-F6EECF244321}">
-                <p14:modId xmlns:p14="http://schemas.microsoft.com/office/powerpoint/2010/main" val="1273842101"/>
-              </p:ext>
-            </p:extLst>
-          </p:nvPr>
-        </p:nvGraphicFramePr>
-        <p:xfrm>
-          <a:off x="1396180" y="1438376"/>
-          <a:ext cx="6961239" cy="4155092"/>
-        </p:xfrm>
-        <a:graphic>
-          <a:graphicData uri="http://schemas.openxmlformats.org/drawingml/2006/table">
-            <a:tbl>
-              <a:tblPr firstRow="1" bandRow="1">
-                <a:tableStyleId>{8D1D7844-83C3-48A6-B175-94CEE54076C9}</a:tableStyleId>
-              </a:tblPr>
-              <a:tblGrid>
-                <a:gridCol w="1100325">
-                  <a:extLst>
-                    <a:ext uri="{9D8B030D-6E8A-4147-A177-3AD203B41FA5}">
-                      <a16:colId xmlns:a16="http://schemas.microsoft.com/office/drawing/2014/main" val="4073210174"/>
-                    </a:ext>
-                  </a:extLst>
-                </a:gridCol>
-                <a:gridCol w="5860914">
-                  <a:extLst>
-                    <a:ext uri="{9D8B030D-6E8A-4147-A177-3AD203B41FA5}">
-                      <a16:colId xmlns:a16="http://schemas.microsoft.com/office/drawing/2014/main" val="1087396236"/>
-                    </a:ext>
-                  </a:extLst>
-                </a:gridCol>
-              </a:tblGrid>
-              <a:tr h="497656">
-                <a:tc>
-                  <a:txBody>
-                    <a:bodyPr/>
-                    <a:lstStyle/>
-                    <a:p>
-                      <a:pPr algn="ctr"/>
-                      <a:r>
-                        <a:rPr lang="en-US" sz="1600" dirty="0">
-                          <a:latin typeface="Oswald" panose="00000500000000000000" pitchFamily="2" charset="0"/>
-                        </a:rPr>
-                        <a:t>Bytes</a:t>
-                      </a:r>
-                    </a:p>
-                  </a:txBody>
-                  <a:tcPr>
-                    <a:solidFill>
-                      <a:schemeClr val="bg1">
-                        <a:lumMod val="50000"/>
-                      </a:schemeClr>
-                    </a:solidFill>
-                  </a:tcPr>
-                </a:tc>
-                <a:tc>
-                  <a:txBody>
-                    <a:bodyPr/>
-                    <a:lstStyle/>
-                    <a:p>
-                      <a:pPr algn="ctr"/>
-                      <a:r>
-                        <a:rPr lang="en-US" sz="1600" dirty="0">
-                          <a:latin typeface="Oswald" panose="00000500000000000000" pitchFamily="2" charset="0"/>
-                        </a:rPr>
-                        <a:t>Purpose</a:t>
-                      </a:r>
-                    </a:p>
-                  </a:txBody>
-                  <a:tcPr>
-                    <a:solidFill>
-                      <a:schemeClr val="bg1">
-                        <a:lumMod val="50000"/>
-                      </a:schemeClr>
-                    </a:solidFill>
-                  </a:tcPr>
-                </a:tc>
-                <a:extLst>
-                  <a:ext uri="{0D108BD9-81ED-4DB2-BD59-A6C34878D82A}">
-                    <a16:rowId xmlns:a16="http://schemas.microsoft.com/office/drawing/2014/main" val="3366653997"/>
-                  </a:ext>
-                </a:extLst>
-              </a:tr>
-              <a:tr h="497656">
-                <a:tc>
-                  <a:txBody>
-                    <a:bodyPr/>
-                    <a:lstStyle/>
-                    <a:p>
-                      <a:pPr algn="ctr"/>
-                      <a:r>
-                        <a:rPr lang="en-US" sz="1600" dirty="0">
-                          <a:solidFill>
-                            <a:schemeClr val="tx1"/>
-                          </a:solidFill>
-                          <a:latin typeface="Oswald" panose="00000500000000000000" pitchFamily="2" charset="0"/>
-                          <a:cs typeface="Sabon Next LT" panose="02000500000000000000" pitchFamily="2" charset="0"/>
-                        </a:rPr>
-                        <a:t>19-20</a:t>
-                      </a:r>
-                    </a:p>
-                  </a:txBody>
-                  <a:tcPr marL="96897" marR="96897" marT="48449" marB="48449" anchor="ctr"/>
-                </a:tc>
-                <a:tc>
-                  <a:txBody>
-                    <a:bodyPr/>
-                    <a:lstStyle/>
-                    <a:p>
-                      <a:pPr algn="ctr"/>
-                      <a:r>
-                        <a:rPr lang="en-US" sz="1600" b="0" i="0" kern="1200" dirty="0">
-                          <a:solidFill>
-                            <a:schemeClr val="dk1"/>
-                          </a:solidFill>
-                          <a:effectLst/>
-                          <a:latin typeface="Oswald" panose="00000500000000000000" pitchFamily="2" charset="0"/>
-                          <a:ea typeface="+mn-ea"/>
-                          <a:cs typeface="+mn-cs"/>
-                        </a:rPr>
-                        <a:t>Number of sectors in the file system; if 2 B is not large enough, set to 0 and use 4 B value in bytes 32-35 below</a:t>
-                      </a:r>
-                      <a:endParaRPr lang="en-US" sz="1600" dirty="0">
-                        <a:solidFill>
-                          <a:schemeClr val="tx1"/>
-                        </a:solidFill>
-                        <a:latin typeface="Oswald" panose="00000500000000000000" pitchFamily="2" charset="0"/>
-                        <a:cs typeface="Sabon Next LT" panose="02000500000000000000" pitchFamily="2" charset="0"/>
-                      </a:endParaRPr>
-                    </a:p>
-                  </a:txBody>
-                  <a:tcPr marL="96897" marR="96897" marT="48449" marB="48449" anchor="ctr"/>
-                </a:tc>
-                <a:extLst>
-                  <a:ext uri="{0D108BD9-81ED-4DB2-BD59-A6C34878D82A}">
-                    <a16:rowId xmlns:a16="http://schemas.microsoft.com/office/drawing/2014/main" val="3580515720"/>
-                  </a:ext>
-                </a:extLst>
-              </a:tr>
-              <a:tr h="497656">
-                <a:tc>
-                  <a:txBody>
-                    <a:bodyPr/>
-                    <a:lstStyle/>
-                    <a:p>
-                      <a:pPr algn="ctr"/>
-                      <a:r>
-                        <a:rPr lang="en-US" sz="1600" dirty="0">
-                          <a:solidFill>
-                            <a:schemeClr val="tx1"/>
-                          </a:solidFill>
-                          <a:latin typeface="Oswald" panose="00000500000000000000" pitchFamily="2" charset="0"/>
-                          <a:cs typeface="Sabon Next LT" panose="02000500000000000000" pitchFamily="2" charset="0"/>
-                        </a:rPr>
-                        <a:t>21</a:t>
-                      </a:r>
-                    </a:p>
-                  </a:txBody>
-                  <a:tcPr marL="96897" marR="96897" marT="48449" marB="48449" anchor="ctr"/>
-                </a:tc>
-                <a:tc>
-                  <a:txBody>
-                    <a:bodyPr/>
-                    <a:lstStyle/>
-                    <a:p>
-                      <a:pPr algn="ctr"/>
-                      <a:r>
-                        <a:rPr lang="en-US" sz="1600" b="0" i="0" kern="1200" dirty="0">
-                          <a:solidFill>
-                            <a:schemeClr val="dk1"/>
-                          </a:solidFill>
-                          <a:effectLst/>
-                          <a:latin typeface="Oswald" panose="00000500000000000000" pitchFamily="2" charset="0"/>
-                          <a:ea typeface="+mn-ea"/>
-                          <a:cs typeface="+mn-cs"/>
-                        </a:rPr>
-                        <a:t>Media type (0xf0=removable disk, 0xf8=fixed disk)</a:t>
-                      </a:r>
-                      <a:endParaRPr lang="en-US" sz="1600" dirty="0">
-                        <a:solidFill>
-                          <a:schemeClr val="tx1"/>
-                        </a:solidFill>
-                        <a:latin typeface="Oswald" panose="00000500000000000000" pitchFamily="2" charset="0"/>
-                        <a:cs typeface="Sabon Next LT" panose="02000500000000000000" pitchFamily="2" charset="0"/>
-                      </a:endParaRPr>
-                    </a:p>
-                  </a:txBody>
-                  <a:tcPr marL="96897" marR="96897" marT="48449" marB="48449" anchor="ctr"/>
-                </a:tc>
-                <a:extLst>
-                  <a:ext uri="{0D108BD9-81ED-4DB2-BD59-A6C34878D82A}">
-                    <a16:rowId xmlns:a16="http://schemas.microsoft.com/office/drawing/2014/main" val="3420908674"/>
-                  </a:ext>
-                </a:extLst>
-              </a:tr>
-              <a:tr h="497656">
-                <a:tc>
-                  <a:txBody>
-                    <a:bodyPr/>
-                    <a:lstStyle/>
-                    <a:p>
-                      <a:pPr algn="ctr"/>
-                      <a:r>
-                        <a:rPr lang="en-US" sz="1600" dirty="0">
-                          <a:solidFill>
-                            <a:schemeClr val="tx1"/>
-                          </a:solidFill>
-                          <a:latin typeface="Oswald" panose="00000500000000000000" pitchFamily="2" charset="0"/>
-                          <a:cs typeface="Sabon Next LT" panose="02000500000000000000" pitchFamily="2" charset="0"/>
-                        </a:rPr>
-                        <a:t>22-23</a:t>
-                      </a:r>
-                    </a:p>
-                  </a:txBody>
-                  <a:tcPr marL="96897" marR="96897" marT="48449" marB="48449" anchor="ctr"/>
-                </a:tc>
-                <a:tc>
-                  <a:txBody>
-                    <a:bodyPr/>
-                    <a:lstStyle/>
-                    <a:p>
-                      <a:pPr algn="ctr"/>
-                      <a:r>
-                        <a:rPr lang="en-US" sz="1600" b="0" i="0" kern="1200" dirty="0">
-                          <a:solidFill>
-                            <a:schemeClr val="dk1"/>
-                          </a:solidFill>
-                          <a:effectLst/>
-                          <a:latin typeface="Oswald" panose="00000500000000000000" pitchFamily="2" charset="0"/>
-                          <a:ea typeface="+mn-ea"/>
-                          <a:cs typeface="+mn-cs"/>
-                        </a:rPr>
-                        <a:t>Size of each FAT, in sectors, for FAT12/16; 0 for FAT32</a:t>
-                      </a:r>
-                      <a:endParaRPr lang="en-US" sz="1600" dirty="0">
-                        <a:solidFill>
-                          <a:schemeClr val="tx1"/>
-                        </a:solidFill>
-                        <a:latin typeface="Oswald" panose="00000500000000000000" pitchFamily="2" charset="0"/>
-                        <a:cs typeface="Sabon Next LT" panose="02000500000000000000" pitchFamily="2" charset="0"/>
-                      </a:endParaRPr>
-                    </a:p>
-                  </a:txBody>
-                  <a:tcPr marL="96897" marR="96897" marT="48449" marB="48449" anchor="ctr"/>
-                </a:tc>
-                <a:extLst>
-                  <a:ext uri="{0D108BD9-81ED-4DB2-BD59-A6C34878D82A}">
-                    <a16:rowId xmlns:a16="http://schemas.microsoft.com/office/drawing/2014/main" val="568661075"/>
-                  </a:ext>
-                </a:extLst>
-              </a:tr>
-              <a:tr h="497656">
-                <a:tc>
-                  <a:txBody>
-                    <a:bodyPr/>
-                    <a:lstStyle/>
-                    <a:p>
-                      <a:pPr algn="ctr"/>
-                      <a:r>
-                        <a:rPr lang="en-US" sz="1600" dirty="0">
-                          <a:solidFill>
-                            <a:schemeClr val="tx1"/>
-                          </a:solidFill>
-                          <a:latin typeface="Oswald" panose="00000500000000000000" pitchFamily="2" charset="0"/>
-                          <a:cs typeface="Sabon Next LT" panose="02000500000000000000" pitchFamily="2" charset="0"/>
-                        </a:rPr>
-                        <a:t>24-25</a:t>
-                      </a:r>
-                    </a:p>
-                  </a:txBody>
-                  <a:tcPr marL="96897" marR="96897" marT="48449" marB="48449" anchor="ctr"/>
-                </a:tc>
-                <a:tc>
-                  <a:txBody>
-                    <a:bodyPr/>
-                    <a:lstStyle/>
-                    <a:p>
-                      <a:pPr algn="ctr"/>
-                      <a:r>
-                        <a:rPr lang="en-US" sz="1600" b="0" i="0" kern="1200" dirty="0">
-                          <a:solidFill>
-                            <a:schemeClr val="dk1"/>
-                          </a:solidFill>
-                          <a:effectLst/>
-                          <a:latin typeface="Oswald" panose="00000500000000000000" pitchFamily="2" charset="0"/>
-                          <a:ea typeface="+mn-ea"/>
-                          <a:cs typeface="+mn-cs"/>
-                        </a:rPr>
-                        <a:t>Sectors per track in storage device</a:t>
-                      </a:r>
-                      <a:endParaRPr lang="en-US" sz="1600" dirty="0">
-                        <a:solidFill>
-                          <a:schemeClr val="tx1"/>
-                        </a:solidFill>
-                        <a:latin typeface="Oswald" panose="00000500000000000000" pitchFamily="2" charset="0"/>
-                        <a:cs typeface="Sabon Next LT" panose="02000500000000000000" pitchFamily="2" charset="0"/>
-                      </a:endParaRPr>
-                    </a:p>
-                  </a:txBody>
-                  <a:tcPr marL="96897" marR="96897" marT="48449" marB="48449" anchor="ctr"/>
-                </a:tc>
-                <a:extLst>
-                  <a:ext uri="{0D108BD9-81ED-4DB2-BD59-A6C34878D82A}">
-                    <a16:rowId xmlns:a16="http://schemas.microsoft.com/office/drawing/2014/main" val="2794547510"/>
-                  </a:ext>
-                </a:extLst>
-              </a:tr>
-              <a:tr h="497656">
-                <a:tc>
-                  <a:txBody>
-                    <a:bodyPr/>
-                    <a:lstStyle/>
-                    <a:p>
-                      <a:pPr algn="ctr"/>
-                      <a:r>
-                        <a:rPr lang="en-US" sz="1600" dirty="0">
-                          <a:solidFill>
-                            <a:schemeClr val="tx1"/>
-                          </a:solidFill>
-                          <a:latin typeface="Oswald" panose="00000500000000000000" pitchFamily="2" charset="0"/>
-                          <a:cs typeface="Sabon Next LT" panose="02000500000000000000" pitchFamily="2" charset="0"/>
-                        </a:rPr>
-                        <a:t>26-27</a:t>
-                      </a:r>
-                    </a:p>
-                  </a:txBody>
-                  <a:tcPr marL="96897" marR="96897" marT="48449" marB="48449" anchor="ctr"/>
-                </a:tc>
-                <a:tc>
-                  <a:txBody>
-                    <a:bodyPr/>
-                    <a:lstStyle/>
-                    <a:p>
-                      <a:pPr algn="ctr"/>
-                      <a:r>
-                        <a:rPr lang="en-US" sz="1600" dirty="0">
-                          <a:latin typeface="Oswald" panose="00000500000000000000" pitchFamily="2" charset="0"/>
-                        </a:rPr>
-                        <a:t>Number of heads in storage device</a:t>
-                      </a:r>
-                    </a:p>
-                  </a:txBody>
-                  <a:tcPr marL="38100" marR="38100" marT="38100" marB="38100" anchor="ctr"/>
-                </a:tc>
-                <a:extLst>
-                  <a:ext uri="{0D108BD9-81ED-4DB2-BD59-A6C34878D82A}">
-                    <a16:rowId xmlns:a16="http://schemas.microsoft.com/office/drawing/2014/main" val="2372674405"/>
-                  </a:ext>
-                </a:extLst>
-              </a:tr>
-              <a:tr h="497656">
-                <a:tc>
-                  <a:txBody>
-                    <a:bodyPr/>
-                    <a:lstStyle/>
-                    <a:p>
-                      <a:pPr algn="ctr"/>
-                      <a:r>
-                        <a:rPr lang="en-US" sz="1600" dirty="0">
-                          <a:solidFill>
-                            <a:schemeClr val="tx1"/>
-                          </a:solidFill>
-                          <a:latin typeface="Oswald" panose="00000500000000000000" pitchFamily="2" charset="0"/>
-                          <a:cs typeface="Sabon Next LT" panose="02000500000000000000" pitchFamily="2" charset="0"/>
-                        </a:rPr>
-                        <a:t>28-31</a:t>
-                      </a:r>
-                    </a:p>
-                  </a:txBody>
-                  <a:tcPr marL="96897" marR="96897" marT="48449" marB="48449" anchor="ctr"/>
-                </a:tc>
-                <a:tc>
-                  <a:txBody>
-                    <a:bodyPr/>
-                    <a:lstStyle/>
-                    <a:p>
-                      <a:pPr algn="ctr"/>
-                      <a:r>
-                        <a:rPr lang="en-US" sz="1600" b="0" i="0" kern="1200" dirty="0">
-                          <a:solidFill>
-                            <a:schemeClr val="dk1"/>
-                          </a:solidFill>
-                          <a:effectLst/>
-                          <a:latin typeface="Oswald" panose="00000500000000000000" pitchFamily="2" charset="0"/>
-                          <a:ea typeface="+mn-ea"/>
-                          <a:cs typeface="+mn-cs"/>
-                        </a:rPr>
-                        <a:t>Number of sectors before the start partition</a:t>
-                      </a:r>
-                      <a:endParaRPr lang="en-US" sz="1600" dirty="0">
-                        <a:solidFill>
-                          <a:schemeClr val="tx1"/>
-                        </a:solidFill>
-                        <a:latin typeface="Oswald" panose="00000500000000000000" pitchFamily="2" charset="0"/>
-                        <a:cs typeface="Sabon Next LT" panose="02000500000000000000" pitchFamily="2" charset="0"/>
-                      </a:endParaRPr>
-                    </a:p>
-                  </a:txBody>
-                  <a:tcPr marL="96897" marR="96897" marT="48449" marB="48449" anchor="ctr"/>
-                </a:tc>
-                <a:extLst>
-                  <a:ext uri="{0D108BD9-81ED-4DB2-BD59-A6C34878D82A}">
-                    <a16:rowId xmlns:a16="http://schemas.microsoft.com/office/drawing/2014/main" val="3941329119"/>
-                  </a:ext>
-                </a:extLst>
-              </a:tr>
-              <a:tr h="497656">
-                <a:tc>
-                  <a:txBody>
-                    <a:bodyPr/>
-                    <a:lstStyle/>
-                    <a:p>
-                      <a:pPr algn="ctr"/>
-                      <a:r>
-                        <a:rPr lang="en-US" sz="1600" dirty="0">
-                          <a:solidFill>
-                            <a:schemeClr val="tx1"/>
-                          </a:solidFill>
-                          <a:latin typeface="Oswald" panose="00000500000000000000" pitchFamily="2" charset="0"/>
-                          <a:cs typeface="Sabon Next LT" panose="02000500000000000000" pitchFamily="2" charset="0"/>
-                        </a:rPr>
-                        <a:t>32-35</a:t>
-                      </a:r>
-                    </a:p>
-                  </a:txBody>
-                  <a:tcPr marL="96897" marR="96897" marT="48449" marB="48449" anchor="ctr"/>
-                </a:tc>
-                <a:tc>
-                  <a:txBody>
-                    <a:bodyPr/>
-                    <a:lstStyle/>
-                    <a:p>
-                      <a:pPr algn="ctr"/>
-                      <a:r>
-                        <a:rPr lang="en-US" sz="1600" b="0" i="0" kern="1200" dirty="0">
-                          <a:solidFill>
-                            <a:schemeClr val="dk1"/>
-                          </a:solidFill>
-                          <a:effectLst/>
-                          <a:latin typeface="Oswald" panose="00000500000000000000" pitchFamily="2" charset="0"/>
-                          <a:ea typeface="+mn-ea"/>
-                          <a:cs typeface="+mn-cs"/>
-                        </a:rPr>
-                        <a:t>Number of sectors in the file system; this field will be 0 if the 2B field above (bytes 19-20) is non-zero</a:t>
-                      </a:r>
-                      <a:endParaRPr lang="en-US" sz="1600" dirty="0">
-                        <a:solidFill>
-                          <a:schemeClr val="tx1"/>
-                        </a:solidFill>
-                        <a:latin typeface="Oswald" panose="00000500000000000000" pitchFamily="2" charset="0"/>
-                        <a:cs typeface="Sabon Next LT" panose="02000500000000000000" pitchFamily="2" charset="0"/>
-                      </a:endParaRPr>
-                    </a:p>
-                  </a:txBody>
-                  <a:tcPr marL="96897" marR="96897" marT="48449" marB="48449" anchor="ctr"/>
-                </a:tc>
-                <a:extLst>
-                  <a:ext uri="{0D108BD9-81ED-4DB2-BD59-A6C34878D82A}">
-                    <a16:rowId xmlns:a16="http://schemas.microsoft.com/office/drawing/2014/main" val="1525157358"/>
-                  </a:ext>
-                </a:extLst>
-              </a:tr>
-            </a:tbl>
-          </a:graphicData>
-        </a:graphic>
-      </p:graphicFrame>
-    </p:spTree>
-    <p:extLst>
-      <p:ext uri="{BB962C8B-B14F-4D97-AF65-F5344CB8AC3E}">
-        <p14:creationId xmlns:p14="http://schemas.microsoft.com/office/powerpoint/2010/main" val="1405173479"/>
       </p:ext>
     </p:extLst>
   </p:cSld>
